--- a/Day14/14-paev-andmetarkus-esitlus.pptx
+++ b/Day14/14-paev-andmetarkus-esitlus.pptx
@@ -5,10 +5,10 @@
     <p:sldMasterId id="2147483648" r:id="rId4"/>
   </p:sldMasterIdLst>
   <p:notesMasterIdLst>
-    <p:notesMasterId r:id="rId30"/>
+    <p:notesMasterId r:id="rId31"/>
   </p:notesMasterIdLst>
   <p:handoutMasterIdLst>
-    <p:handoutMasterId r:id="rId31"/>
+    <p:handoutMasterId r:id="rId32"/>
   </p:handoutMasterIdLst>
   <p:sldIdLst>
     <p:sldId id="417" r:id="rId5"/>
@@ -16,50 +16,51 @@
     <p:sldId id="643" r:id="rId7"/>
     <p:sldId id="439" r:id="rId8"/>
     <p:sldId id="642" r:id="rId9"/>
-    <p:sldId id="440" r:id="rId10"/>
-    <p:sldId id="501" r:id="rId11"/>
-    <p:sldId id="575" r:id="rId12"/>
-    <p:sldId id="504" r:id="rId13"/>
-    <p:sldId id="576" r:id="rId14"/>
-    <p:sldId id="441" r:id="rId15"/>
-    <p:sldId id="566" r:id="rId16"/>
-    <p:sldId id="614" r:id="rId17"/>
-    <p:sldId id="615" r:id="rId18"/>
-    <p:sldId id="616" r:id="rId19"/>
-    <p:sldId id="617" r:id="rId20"/>
-    <p:sldId id="618" r:id="rId21"/>
-    <p:sldId id="569" r:id="rId22"/>
-    <p:sldId id="577" r:id="rId23"/>
-    <p:sldId id="644" r:id="rId24"/>
-    <p:sldId id="568" r:id="rId25"/>
-    <p:sldId id="570" r:id="rId26"/>
-    <p:sldId id="574" r:id="rId27"/>
-    <p:sldId id="573" r:id="rId28"/>
-    <p:sldId id="645" r:id="rId29"/>
+    <p:sldId id="646" r:id="rId10"/>
+    <p:sldId id="440" r:id="rId11"/>
+    <p:sldId id="501" r:id="rId12"/>
+    <p:sldId id="575" r:id="rId13"/>
+    <p:sldId id="504" r:id="rId14"/>
+    <p:sldId id="576" r:id="rId15"/>
+    <p:sldId id="441" r:id="rId16"/>
+    <p:sldId id="566" r:id="rId17"/>
+    <p:sldId id="614" r:id="rId18"/>
+    <p:sldId id="615" r:id="rId19"/>
+    <p:sldId id="616" r:id="rId20"/>
+    <p:sldId id="617" r:id="rId21"/>
+    <p:sldId id="618" r:id="rId22"/>
+    <p:sldId id="569" r:id="rId23"/>
+    <p:sldId id="577" r:id="rId24"/>
+    <p:sldId id="644" r:id="rId25"/>
+    <p:sldId id="568" r:id="rId26"/>
+    <p:sldId id="570" r:id="rId27"/>
+    <p:sldId id="574" r:id="rId28"/>
+    <p:sldId id="573" r:id="rId29"/>
+    <p:sldId id="645" r:id="rId30"/>
   </p:sldIdLst>
   <p:sldSz cx="12192000" cy="6858000"/>
   <p:notesSz cx="6858000" cy="9144000"/>
   <p:embeddedFontLst>
     <p:embeddedFont>
       <p:font typeface="Inter" panose="020B0604020202020204" charset="0"/>
-      <p:regular r:id="rId32"/>
-      <p:bold r:id="rId33"/>
+      <p:regular r:id="rId33"/>
+      <p:bold r:id="rId34"/>
     </p:embeddedFont>
     <p:embeddedFont>
       <p:font typeface="Inter Bold" panose="020B0604020202020204" charset="0"/>
-      <p:bold r:id="rId34"/>
+      <p:bold r:id="rId35"/>
     </p:embeddedFont>
     <p:embeddedFont>
       <p:font typeface="Noto Serif" panose="02020600060500020200" pitchFamily="18" charset="0"/>
-      <p:regular r:id="rId35"/>
-      <p:bold r:id="rId36"/>
-      <p:italic r:id="rId37"/>
-      <p:boldItalic r:id="rId38"/>
+      <p:regular r:id="rId36"/>
+      <p:bold r:id="rId37"/>
+      <p:italic r:id="rId38"/>
+      <p:boldItalic r:id="rId39"/>
     </p:embeddedFont>
     <p:embeddedFont>
       <p:font typeface="Poppins SemiBold" panose="00000700000000000000" pitchFamily="2" charset="0"/>
-      <p:bold r:id="rId39"/>
-      <p:boldItalic r:id="rId40"/>
+      <p:bold r:id="rId40"/>
+      <p:boldItalic r:id="rId41"/>
     </p:embeddedFont>
   </p:embeddedFontLst>
   <p:defaultTextStyle>
@@ -172,8 +173,46 @@
 <p1510:revInfo xmlns:a="http://schemas.openxmlformats.org/drawingml/2006/main" xmlns:r="http://schemas.openxmlformats.org/officeDocument/2006/relationships" xmlns:p1510="http://schemas.microsoft.com/office/powerpoint/2015/10/main">
   <p1510:revLst>
     <p1510:client id="{075D7FE8-6F58-CB2E-1813-02335F064FDF}" v="673" dt="2025-09-10T17:02:31.509"/>
+    <p1510:client id="{36FE5F9F-7D58-4876-8525-DF4E3E7E684B}" v="2" dt="2025-09-11T05:41:36.017"/>
   </p1510:revLst>
 </p1510:revInfo>
+</file>
+
+<file path=ppt/changesInfos/changesInfo1.xml><?xml version="1.0" encoding="utf-8"?>
+<pc:chgInfo xmlns:a="http://schemas.openxmlformats.org/drawingml/2006/main" xmlns:r="http://schemas.openxmlformats.org/officeDocument/2006/relationships" xmlns:ac="http://schemas.microsoft.com/office/drawing/2013/main/command" xmlns:pc="http://schemas.microsoft.com/office/powerpoint/2013/main/command">
+  <pc:docChgLst>
+    <pc:chgData name="Virve Räni" userId="161a7437-7ef4-49ec-91bf-54882f313dfe" providerId="ADAL" clId="{6D754EED-65AA-4A21-B175-6769012CF487}"/>
+    <pc:docChg chg="addSld modSld">
+      <pc:chgData name="Virve Räni" userId="161a7437-7ef4-49ec-91bf-54882f313dfe" providerId="ADAL" clId="{6D754EED-65AA-4A21-B175-6769012CF487}" dt="2025-09-11T05:42:31.636" v="38" actId="20577"/>
+      <pc:docMkLst>
+        <pc:docMk/>
+      </pc:docMkLst>
+      <pc:sldChg chg="modSp new mod">
+        <pc:chgData name="Virve Räni" userId="161a7437-7ef4-49ec-91bf-54882f313dfe" providerId="ADAL" clId="{6D754EED-65AA-4A21-B175-6769012CF487}" dt="2025-09-11T05:42:31.636" v="38" actId="20577"/>
+        <pc:sldMkLst>
+          <pc:docMk/>
+          <pc:sldMk cId="4151671185" sldId="646"/>
+        </pc:sldMkLst>
+        <pc:spChg chg="mod">
+          <ac:chgData name="Virve Räni" userId="161a7437-7ef4-49ec-91bf-54882f313dfe" providerId="ADAL" clId="{6D754EED-65AA-4A21-B175-6769012CF487}" dt="2025-09-11T05:42:31.636" v="38" actId="20577"/>
+          <ac:spMkLst>
+            <pc:docMk/>
+            <pc:sldMk cId="4151671185" sldId="646"/>
+            <ac:spMk id="2" creationId="{D8BBCD4B-5EAC-3CF6-4E27-2999E0F3EB3E}"/>
+          </ac:spMkLst>
+        </pc:spChg>
+        <pc:spChg chg="mod">
+          <ac:chgData name="Virve Räni" userId="161a7437-7ef4-49ec-91bf-54882f313dfe" providerId="ADAL" clId="{6D754EED-65AA-4A21-B175-6769012CF487}" dt="2025-09-11T05:42:19.585" v="35" actId="15"/>
+          <ac:spMkLst>
+            <pc:docMk/>
+            <pc:sldMk cId="4151671185" sldId="646"/>
+            <ac:spMk id="3" creationId="{5708205D-3E9E-F4F8-FD74-89B0632FAA62}"/>
+          </ac:spMkLst>
+        </pc:spChg>
+      </pc:sldChg>
+    </pc:docChg>
+  </pc:docChgLst>
+</pc:chgInfo>
 </file>
 
 <file path=ppt/handoutMasters/handoutMaster1.xml><?xml version="1.0" encoding="utf-8"?>
@@ -270,7 +309,7 @@
           <a:p>
             <a:fld id="{F9D2AD6E-DEDD-49A0-A4BE-7A081A9112DA}" type="datetimeFigureOut">
               <a:rPr lang="en-US" smtClean="0"/>
-              <a:t>9/10/2025</a:t>
+              <a:t>9/11/2025</a:t>
             </a:fld>
             <a:endParaRPr lang="en-US"/>
           </a:p>
@@ -446,7 +485,7 @@
           </a:lstStyle>
           <a:p>
             <a:fld id="{2AF9C1A6-4321-41FA-B001-4140F0E2457F}" type="datetimeFigureOut">
-              <a:t>10.09.2025</a:t>
+              <a:t>11.09.2025</a:t>
             </a:fld>
             <a:endParaRPr lang="en-US"/>
           </a:p>
@@ -2293,7 +2332,7 @@
           <a:p>
             <a:fld id="{06E3FB46-E75F-42CA-84D1-20ABA0EA91A6}" type="slidenum">
               <a:rPr lang="en-US"/>
-              <a:t>8</a:t>
+              <a:t>9</a:t>
             </a:fld>
             <a:endParaRPr lang="en-US"/>
           </a:p>
@@ -2624,7 +2663,7 @@
           <a:p>
             <a:fld id="{06E3FB46-E75F-42CA-84D1-20ABA0EA91A6}" type="slidenum">
               <a:rPr lang="en-US"/>
-              <a:t>9</a:t>
+              <a:t>10</a:t>
             </a:fld>
             <a:endParaRPr lang="en-US"/>
           </a:p>
@@ -4233,7 +4272,7 @@
           <a:p>
             <a:fld id="{06E3FB46-E75F-42CA-84D1-20ABA0EA91A6}" type="slidenum">
               <a:rPr lang="en-US"/>
-              <a:t>10</a:t>
+              <a:t>11</a:t>
             </a:fld>
             <a:endParaRPr lang="en-US"/>
           </a:p>
@@ -15379,7 +15418,7 @@
           <a:p>
             <a:fld id="{DE840A40-73C8-4048-8140-49F5D65BB431}" type="datetimeFigureOut">
               <a:rPr lang="et-EE" smtClean="0"/>
-              <a:t>10.09.2025</a:t>
+              <a:t>11.09.2025</a:t>
             </a:fld>
             <a:endParaRPr lang="et-EE"/>
           </a:p>
@@ -27494,6 +27533,1167 @@
         <p:cNvPr id="1" name="">
           <a:extLst>
             <a:ext uri="{FF2B5EF4-FFF2-40B4-BE49-F238E27FC236}">
+              <a16:creationId xmlns:a16="http://schemas.microsoft.com/office/drawing/2014/main" id="{F7DCEEB9-CD9F-308B-51A4-57F7B3F90BB3}"/>
+            </a:ext>
+          </a:extLst>
+        </p:cNvPr>
+        <p:cNvGrpSpPr/>
+        <p:nvPr/>
+      </p:nvGrpSpPr>
+      <p:grpSpPr>
+        <a:xfrm>
+          <a:off x="0" y="0"/>
+          <a:ext cx="0" cy="0"/>
+          <a:chOff x="0" y="0"/>
+          <a:chExt cx="0" cy="0"/>
+        </a:xfrm>
+      </p:grpSpPr>
+      <p:sp>
+        <p:nvSpPr>
+          <p:cNvPr id="2" name="Title 1">
+            <a:extLst>
+              <a:ext uri="{FF2B5EF4-FFF2-40B4-BE49-F238E27FC236}">
+                <a16:creationId xmlns:a16="http://schemas.microsoft.com/office/drawing/2014/main" id="{56BA7AD0-F255-B3B4-9613-AF33EBA9055C}"/>
+              </a:ext>
+            </a:extLst>
+          </p:cNvPr>
+          <p:cNvSpPr>
+            <a:spLocks noGrp="1"/>
+          </p:cNvSpPr>
+          <p:nvPr>
+            <p:ph type="ctrTitle"/>
+          </p:nvPr>
+        </p:nvSpPr>
+        <p:spPr/>
+        <p:txBody>
+          <a:bodyPr/>
+          <a:lstStyle/>
+          <a:p>
+            <a:r>
+              <a:rPr lang="en-US" sz="3600" b="1" err="1"/>
+              <a:t>Eriliiki</a:t>
+            </a:r>
+            <a:r>
+              <a:rPr lang="en-US" sz="3600" b="1"/>
+              <a:t> </a:t>
+            </a:r>
+            <a:r>
+              <a:rPr lang="en-US" sz="3600" b="1" err="1"/>
+              <a:t>isikuandmed</a:t>
+            </a:r>
+            <a:endParaRPr lang="en-US" err="1"/>
+          </a:p>
+        </p:txBody>
+      </p:sp>
+      <p:sp>
+        <p:nvSpPr>
+          <p:cNvPr id="4" name="Content Placeholder 3">
+            <a:extLst>
+              <a:ext uri="{FF2B5EF4-FFF2-40B4-BE49-F238E27FC236}">
+                <a16:creationId xmlns:a16="http://schemas.microsoft.com/office/drawing/2014/main" id="{68EB2844-3EB4-8C98-BAC1-04AB054DC616}"/>
+              </a:ext>
+            </a:extLst>
+          </p:cNvPr>
+          <p:cNvSpPr>
+            <a:spLocks noGrp="1"/>
+          </p:cNvSpPr>
+          <p:nvPr>
+            <p:ph sz="quarter" idx="10"/>
+          </p:nvPr>
+        </p:nvSpPr>
+        <p:spPr>
+          <a:xfrm>
+            <a:off x="623888" y="1268413"/>
+            <a:ext cx="11570451" cy="4465637"/>
+          </a:xfrm>
+        </p:spPr>
+        <p:txBody>
+          <a:bodyPr/>
+          <a:lstStyle/>
+          <a:p>
+            <a:pPr>
+              <a:lnSpc>
+                <a:spcPct val="150000"/>
+              </a:lnSpc>
+              <a:buFont typeface="Inter"/>
+            </a:pPr>
+            <a:r>
+              <a:rPr lang="en-US" sz="2400">
+                <a:ea typeface="+mn-lt"/>
+                <a:cs typeface="+mn-lt"/>
+                <a:hlinkClick r:id="rId3"/>
+              </a:rPr>
+              <a:t>Isikuandmete kaitse üldmäärus artikkel 9 lõige 1</a:t>
+            </a:r>
+            <a:r>
+              <a:rPr lang="en-US" sz="2400">
+                <a:ea typeface="+mn-lt"/>
+                <a:cs typeface="+mn-lt"/>
+              </a:rPr>
+              <a:t>: </a:t>
+            </a:r>
+            <a:endParaRPr lang="en-US" sz="2400" err="1">
+              <a:ea typeface="+mn-lt"/>
+              <a:cs typeface="+mn-lt"/>
+            </a:endParaRPr>
+          </a:p>
+          <a:p>
+            <a:pPr lvl="1">
+              <a:lnSpc>
+                <a:spcPct val="150000"/>
+              </a:lnSpc>
+              <a:buFont typeface="Courier New"/>
+              <a:buChar char="o"/>
+            </a:pPr>
+            <a:r>
+              <a:rPr lang="en-US" sz="2400" err="1">
+                <a:solidFill>
+                  <a:srgbClr val="121212"/>
+                </a:solidFill>
+                <a:ea typeface="+mn-lt"/>
+                <a:cs typeface="+mn-lt"/>
+              </a:rPr>
+              <a:t>andmed</a:t>
+            </a:r>
+            <a:r>
+              <a:rPr lang="en-US" sz="2400">
+                <a:solidFill>
+                  <a:srgbClr val="121212"/>
+                </a:solidFill>
+                <a:ea typeface="+mn-lt"/>
+                <a:cs typeface="+mn-lt"/>
+              </a:rPr>
+              <a:t>, </a:t>
+            </a:r>
+            <a:r>
+              <a:rPr lang="en-US" sz="2400" err="1">
+                <a:solidFill>
+                  <a:srgbClr val="121212"/>
+                </a:solidFill>
+                <a:ea typeface="+mn-lt"/>
+                <a:cs typeface="+mn-lt"/>
+              </a:rPr>
+              <a:t>millest</a:t>
+            </a:r>
+            <a:r>
+              <a:rPr lang="en-US" sz="2400">
+                <a:solidFill>
+                  <a:srgbClr val="121212"/>
+                </a:solidFill>
+                <a:ea typeface="+mn-lt"/>
+                <a:cs typeface="+mn-lt"/>
+              </a:rPr>
+              <a:t> </a:t>
+            </a:r>
+            <a:r>
+              <a:rPr lang="en-US" sz="2400" err="1">
+                <a:solidFill>
+                  <a:srgbClr val="121212"/>
+                </a:solidFill>
+                <a:ea typeface="+mn-lt"/>
+                <a:cs typeface="+mn-lt"/>
+              </a:rPr>
+              <a:t>ilmneb</a:t>
+            </a:r>
+            <a:r>
+              <a:rPr lang="en-US" sz="2400">
+                <a:solidFill>
+                  <a:srgbClr val="121212"/>
+                </a:solidFill>
+                <a:ea typeface="+mn-lt"/>
+                <a:cs typeface="+mn-lt"/>
+              </a:rPr>
+              <a:t> </a:t>
+            </a:r>
+            <a:r>
+              <a:rPr lang="en-US" sz="2400" err="1">
+                <a:solidFill>
+                  <a:srgbClr val="121212"/>
+                </a:solidFill>
+                <a:ea typeface="+mn-lt"/>
+                <a:cs typeface="+mn-lt"/>
+              </a:rPr>
+              <a:t>rassiline</a:t>
+            </a:r>
+            <a:r>
+              <a:rPr lang="en-US" sz="2400">
+                <a:solidFill>
+                  <a:srgbClr val="121212"/>
+                </a:solidFill>
+                <a:ea typeface="+mn-lt"/>
+                <a:cs typeface="+mn-lt"/>
+              </a:rPr>
+              <a:t> </a:t>
+            </a:r>
+            <a:r>
+              <a:rPr lang="en-US" sz="2400" err="1">
+                <a:solidFill>
+                  <a:srgbClr val="121212"/>
+                </a:solidFill>
+                <a:ea typeface="+mn-lt"/>
+                <a:cs typeface="+mn-lt"/>
+              </a:rPr>
+              <a:t>või</a:t>
+            </a:r>
+            <a:r>
+              <a:rPr lang="en-US" sz="2400">
+                <a:solidFill>
+                  <a:srgbClr val="121212"/>
+                </a:solidFill>
+                <a:ea typeface="+mn-lt"/>
+                <a:cs typeface="+mn-lt"/>
+              </a:rPr>
+              <a:t> </a:t>
+            </a:r>
+            <a:r>
+              <a:rPr lang="en-US" sz="2400" err="1">
+                <a:solidFill>
+                  <a:srgbClr val="121212"/>
+                </a:solidFill>
+                <a:ea typeface="+mn-lt"/>
+                <a:cs typeface="+mn-lt"/>
+              </a:rPr>
+              <a:t>etniline</a:t>
+            </a:r>
+            <a:r>
+              <a:rPr lang="en-US" sz="2400">
+                <a:solidFill>
+                  <a:srgbClr val="121212"/>
+                </a:solidFill>
+                <a:ea typeface="+mn-lt"/>
+                <a:cs typeface="+mn-lt"/>
+              </a:rPr>
+              <a:t> </a:t>
+            </a:r>
+            <a:r>
+              <a:rPr lang="en-US" sz="2400" err="1">
+                <a:solidFill>
+                  <a:srgbClr val="121212"/>
+                </a:solidFill>
+                <a:ea typeface="+mn-lt"/>
+                <a:cs typeface="+mn-lt"/>
+              </a:rPr>
+              <a:t>päritolu</a:t>
+            </a:r>
+            <a:r>
+              <a:rPr lang="en-US" sz="2400">
+                <a:solidFill>
+                  <a:srgbClr val="121212"/>
+                </a:solidFill>
+                <a:ea typeface="+mn-lt"/>
+                <a:cs typeface="+mn-lt"/>
+              </a:rPr>
+              <a:t>, </a:t>
+            </a:r>
+            <a:r>
+              <a:rPr lang="en-US" sz="2400" err="1">
+                <a:solidFill>
+                  <a:srgbClr val="121212"/>
+                </a:solidFill>
+                <a:ea typeface="+mn-lt"/>
+                <a:cs typeface="+mn-lt"/>
+              </a:rPr>
+              <a:t>poliitilised</a:t>
+            </a:r>
+            <a:r>
+              <a:rPr lang="en-US" sz="2400">
+                <a:solidFill>
+                  <a:srgbClr val="121212"/>
+                </a:solidFill>
+                <a:ea typeface="+mn-lt"/>
+                <a:cs typeface="+mn-lt"/>
+              </a:rPr>
+              <a:t> </a:t>
+            </a:r>
+            <a:r>
+              <a:rPr lang="en-US" sz="2400" err="1">
+                <a:solidFill>
+                  <a:srgbClr val="121212"/>
+                </a:solidFill>
+                <a:ea typeface="+mn-lt"/>
+                <a:cs typeface="+mn-lt"/>
+              </a:rPr>
+              <a:t>vaated</a:t>
+            </a:r>
+            <a:r>
+              <a:rPr lang="en-US" sz="2400">
+                <a:solidFill>
+                  <a:srgbClr val="121212"/>
+                </a:solidFill>
+                <a:ea typeface="+mn-lt"/>
+                <a:cs typeface="+mn-lt"/>
+              </a:rPr>
+              <a:t>, </a:t>
+            </a:r>
+            <a:r>
+              <a:rPr lang="en-US" sz="2400" err="1">
+                <a:solidFill>
+                  <a:srgbClr val="121212"/>
+                </a:solidFill>
+                <a:ea typeface="+mn-lt"/>
+                <a:cs typeface="+mn-lt"/>
+              </a:rPr>
+              <a:t>usulised</a:t>
+            </a:r>
+            <a:r>
+              <a:rPr lang="en-US" sz="2400">
+                <a:solidFill>
+                  <a:srgbClr val="121212"/>
+                </a:solidFill>
+                <a:ea typeface="+mn-lt"/>
+                <a:cs typeface="+mn-lt"/>
+              </a:rPr>
+              <a:t> </a:t>
+            </a:r>
+            <a:r>
+              <a:rPr lang="en-US" sz="2400" err="1">
+                <a:solidFill>
+                  <a:srgbClr val="121212"/>
+                </a:solidFill>
+                <a:ea typeface="+mn-lt"/>
+                <a:cs typeface="+mn-lt"/>
+              </a:rPr>
+              <a:t>või</a:t>
+            </a:r>
+            <a:r>
+              <a:rPr lang="en-US" sz="2400">
+                <a:solidFill>
+                  <a:srgbClr val="121212"/>
+                </a:solidFill>
+                <a:ea typeface="+mn-lt"/>
+                <a:cs typeface="+mn-lt"/>
+              </a:rPr>
+              <a:t> </a:t>
+            </a:r>
+            <a:r>
+              <a:rPr lang="en-US" sz="2400" err="1">
+                <a:solidFill>
+                  <a:srgbClr val="121212"/>
+                </a:solidFill>
+                <a:ea typeface="+mn-lt"/>
+                <a:cs typeface="+mn-lt"/>
+              </a:rPr>
+              <a:t>filosoofilised</a:t>
+            </a:r>
+            <a:r>
+              <a:rPr lang="en-US" sz="2400">
+                <a:solidFill>
+                  <a:srgbClr val="121212"/>
+                </a:solidFill>
+                <a:ea typeface="+mn-lt"/>
+                <a:cs typeface="+mn-lt"/>
+              </a:rPr>
+              <a:t> </a:t>
+            </a:r>
+            <a:r>
+              <a:rPr lang="en-US" sz="2400" err="1">
+                <a:solidFill>
+                  <a:srgbClr val="121212"/>
+                </a:solidFill>
+                <a:ea typeface="+mn-lt"/>
+                <a:cs typeface="+mn-lt"/>
+              </a:rPr>
+              <a:t>veendumused</a:t>
+            </a:r>
+            <a:r>
+              <a:rPr lang="en-US" sz="2400">
+                <a:solidFill>
+                  <a:srgbClr val="121212"/>
+                </a:solidFill>
+                <a:ea typeface="+mn-lt"/>
+                <a:cs typeface="+mn-lt"/>
+              </a:rPr>
+              <a:t> </a:t>
+            </a:r>
+            <a:r>
+              <a:rPr lang="en-US" sz="2400" err="1">
+                <a:solidFill>
+                  <a:srgbClr val="121212"/>
+                </a:solidFill>
+                <a:ea typeface="+mn-lt"/>
+                <a:cs typeface="+mn-lt"/>
+              </a:rPr>
+              <a:t>või</a:t>
+            </a:r>
+            <a:r>
+              <a:rPr lang="en-US" sz="2400">
+                <a:solidFill>
+                  <a:srgbClr val="121212"/>
+                </a:solidFill>
+                <a:ea typeface="+mn-lt"/>
+                <a:cs typeface="+mn-lt"/>
+              </a:rPr>
+              <a:t> </a:t>
+            </a:r>
+            <a:r>
+              <a:rPr lang="en-US" sz="2400" err="1">
+                <a:solidFill>
+                  <a:srgbClr val="121212"/>
+                </a:solidFill>
+                <a:ea typeface="+mn-lt"/>
+                <a:cs typeface="+mn-lt"/>
+              </a:rPr>
+              <a:t>ametiühingusse</a:t>
+            </a:r>
+            <a:r>
+              <a:rPr lang="en-US" sz="2400">
+                <a:solidFill>
+                  <a:srgbClr val="121212"/>
+                </a:solidFill>
+                <a:ea typeface="+mn-lt"/>
+                <a:cs typeface="+mn-lt"/>
+              </a:rPr>
+              <a:t> </a:t>
+            </a:r>
+            <a:r>
+              <a:rPr lang="en-US" sz="2400" err="1">
+                <a:solidFill>
+                  <a:srgbClr val="121212"/>
+                </a:solidFill>
+                <a:ea typeface="+mn-lt"/>
+                <a:cs typeface="+mn-lt"/>
+              </a:rPr>
+              <a:t>kuulumine</a:t>
+            </a:r>
+            <a:endParaRPr lang="en-US" err="1">
+              <a:solidFill>
+                <a:srgbClr val="121212"/>
+              </a:solidFill>
+              <a:ea typeface="+mn-lt"/>
+              <a:cs typeface="+mn-lt"/>
+            </a:endParaRPr>
+          </a:p>
+          <a:p>
+            <a:pPr lvl="1">
+              <a:lnSpc>
+                <a:spcPct val="150000"/>
+              </a:lnSpc>
+              <a:buFont typeface="Courier New"/>
+              <a:buChar char="o"/>
+            </a:pPr>
+            <a:r>
+              <a:rPr lang="en-US" sz="2400" err="1">
+                <a:solidFill>
+                  <a:srgbClr val="121212"/>
+                </a:solidFill>
+                <a:ea typeface="+mn-lt"/>
+                <a:cs typeface="+mn-lt"/>
+              </a:rPr>
+              <a:t>geneetilised</a:t>
+            </a:r>
+            <a:r>
+              <a:rPr lang="en-US" sz="2400">
+                <a:solidFill>
+                  <a:srgbClr val="121212"/>
+                </a:solidFill>
+                <a:ea typeface="+mn-lt"/>
+                <a:cs typeface="+mn-lt"/>
+              </a:rPr>
+              <a:t> </a:t>
+            </a:r>
+            <a:r>
+              <a:rPr lang="en-US" sz="2400" err="1">
+                <a:solidFill>
+                  <a:srgbClr val="121212"/>
+                </a:solidFill>
+                <a:ea typeface="+mn-lt"/>
+                <a:cs typeface="+mn-lt"/>
+              </a:rPr>
+              <a:t>andmed</a:t>
+            </a:r>
+            <a:endParaRPr lang="en-US" sz="2400" err="1"/>
+          </a:p>
+          <a:p>
+            <a:pPr lvl="1">
+              <a:lnSpc>
+                <a:spcPct val="150000"/>
+              </a:lnSpc>
+              <a:buFont typeface="Courier New"/>
+              <a:buChar char="o"/>
+            </a:pPr>
+            <a:r>
+              <a:rPr lang="en-US" sz="2400" err="1">
+                <a:solidFill>
+                  <a:srgbClr val="121212"/>
+                </a:solidFill>
+                <a:ea typeface="+mn-lt"/>
+                <a:cs typeface="+mn-lt"/>
+              </a:rPr>
+              <a:t>füüsilise</a:t>
+            </a:r>
+            <a:r>
+              <a:rPr lang="en-US" sz="2400">
+                <a:solidFill>
+                  <a:srgbClr val="121212"/>
+                </a:solidFill>
+                <a:ea typeface="+mn-lt"/>
+                <a:cs typeface="+mn-lt"/>
+              </a:rPr>
+              <a:t> </a:t>
+            </a:r>
+            <a:r>
+              <a:rPr lang="en-US" sz="2400" err="1">
+                <a:solidFill>
+                  <a:srgbClr val="121212"/>
+                </a:solidFill>
+                <a:ea typeface="+mn-lt"/>
+                <a:cs typeface="+mn-lt"/>
+              </a:rPr>
+              <a:t>isiku</a:t>
+            </a:r>
+            <a:r>
+              <a:rPr lang="en-US" sz="2400">
+                <a:solidFill>
+                  <a:srgbClr val="121212"/>
+                </a:solidFill>
+                <a:ea typeface="+mn-lt"/>
+                <a:cs typeface="+mn-lt"/>
+              </a:rPr>
+              <a:t> </a:t>
+            </a:r>
+            <a:r>
+              <a:rPr lang="en-US" sz="2400" err="1">
+                <a:solidFill>
+                  <a:srgbClr val="121212"/>
+                </a:solidFill>
+                <a:ea typeface="+mn-lt"/>
+                <a:cs typeface="+mn-lt"/>
+              </a:rPr>
+              <a:t>kordumatuks</a:t>
+            </a:r>
+            <a:r>
+              <a:rPr lang="en-US" sz="2400">
+                <a:solidFill>
+                  <a:srgbClr val="121212"/>
+                </a:solidFill>
+                <a:ea typeface="+mn-lt"/>
+                <a:cs typeface="+mn-lt"/>
+              </a:rPr>
+              <a:t> </a:t>
+            </a:r>
+            <a:r>
+              <a:rPr lang="en-US" sz="2400" err="1">
+                <a:solidFill>
+                  <a:srgbClr val="121212"/>
+                </a:solidFill>
+                <a:ea typeface="+mn-lt"/>
+                <a:cs typeface="+mn-lt"/>
+              </a:rPr>
+              <a:t>tuvastamiseks</a:t>
+            </a:r>
+            <a:r>
+              <a:rPr lang="en-US" sz="2400">
+                <a:solidFill>
+                  <a:srgbClr val="121212"/>
+                </a:solidFill>
+                <a:ea typeface="+mn-lt"/>
+                <a:cs typeface="+mn-lt"/>
+              </a:rPr>
+              <a:t> </a:t>
+            </a:r>
+            <a:r>
+              <a:rPr lang="en-US" sz="2400" err="1">
+                <a:solidFill>
+                  <a:srgbClr val="121212"/>
+                </a:solidFill>
+                <a:ea typeface="+mn-lt"/>
+                <a:cs typeface="+mn-lt"/>
+              </a:rPr>
+              <a:t>kasutatavad</a:t>
+            </a:r>
+            <a:r>
+              <a:rPr lang="en-US" sz="2400">
+                <a:solidFill>
+                  <a:srgbClr val="121212"/>
+                </a:solidFill>
+                <a:ea typeface="+mn-lt"/>
+                <a:cs typeface="+mn-lt"/>
+              </a:rPr>
+              <a:t> </a:t>
+            </a:r>
+            <a:r>
+              <a:rPr lang="en-US" sz="2400" err="1">
+                <a:solidFill>
+                  <a:srgbClr val="121212"/>
+                </a:solidFill>
+                <a:ea typeface="+mn-lt"/>
+                <a:cs typeface="+mn-lt"/>
+              </a:rPr>
+              <a:t>biomeetrilised</a:t>
+            </a:r>
+            <a:r>
+              <a:rPr lang="en-US" sz="2400">
+                <a:solidFill>
+                  <a:srgbClr val="121212"/>
+                </a:solidFill>
+                <a:ea typeface="+mn-lt"/>
+                <a:cs typeface="+mn-lt"/>
+              </a:rPr>
+              <a:t> </a:t>
+            </a:r>
+            <a:r>
+              <a:rPr lang="en-US" sz="2400" err="1">
+                <a:solidFill>
+                  <a:srgbClr val="121212"/>
+                </a:solidFill>
+                <a:ea typeface="+mn-lt"/>
+                <a:cs typeface="+mn-lt"/>
+              </a:rPr>
+              <a:t>andmed</a:t>
+            </a:r>
+            <a:endParaRPr lang="en-US" sz="2400" err="1"/>
+          </a:p>
+          <a:p>
+            <a:pPr lvl="1">
+              <a:lnSpc>
+                <a:spcPct val="150000"/>
+              </a:lnSpc>
+              <a:buFont typeface="Courier New"/>
+              <a:buChar char="o"/>
+            </a:pPr>
+            <a:r>
+              <a:rPr lang="en-US" sz="2400" err="1">
+                <a:solidFill>
+                  <a:srgbClr val="121212"/>
+                </a:solidFill>
+                <a:ea typeface="+mn-lt"/>
+                <a:cs typeface="+mn-lt"/>
+              </a:rPr>
+              <a:t>terviseandmed</a:t>
+            </a:r>
+            <a:endParaRPr lang="en-US" sz="2400" err="1"/>
+          </a:p>
+          <a:p>
+            <a:pPr lvl="1">
+              <a:lnSpc>
+                <a:spcPct val="150000"/>
+              </a:lnSpc>
+              <a:buFont typeface="Courier New"/>
+              <a:buChar char="o"/>
+            </a:pPr>
+            <a:r>
+              <a:rPr lang="en-US" sz="2400" err="1">
+                <a:solidFill>
+                  <a:srgbClr val="121212"/>
+                </a:solidFill>
+                <a:ea typeface="+mn-lt"/>
+                <a:cs typeface="+mn-lt"/>
+              </a:rPr>
+              <a:t>andmed</a:t>
+            </a:r>
+            <a:r>
+              <a:rPr lang="en-US" sz="2400">
+                <a:solidFill>
+                  <a:srgbClr val="121212"/>
+                </a:solidFill>
+                <a:ea typeface="+mn-lt"/>
+                <a:cs typeface="+mn-lt"/>
+              </a:rPr>
+              <a:t> </a:t>
+            </a:r>
+            <a:r>
+              <a:rPr lang="en-US" sz="2400" err="1">
+                <a:solidFill>
+                  <a:srgbClr val="121212"/>
+                </a:solidFill>
+                <a:ea typeface="+mn-lt"/>
+                <a:cs typeface="+mn-lt"/>
+              </a:rPr>
+              <a:t>füüsilise</a:t>
+            </a:r>
+            <a:r>
+              <a:rPr lang="en-US" sz="2400">
+                <a:solidFill>
+                  <a:srgbClr val="121212"/>
+                </a:solidFill>
+                <a:ea typeface="+mn-lt"/>
+                <a:cs typeface="+mn-lt"/>
+              </a:rPr>
+              <a:t> </a:t>
+            </a:r>
+            <a:r>
+              <a:rPr lang="en-US" sz="2400" err="1">
+                <a:solidFill>
+                  <a:srgbClr val="121212"/>
+                </a:solidFill>
+                <a:ea typeface="+mn-lt"/>
+                <a:cs typeface="+mn-lt"/>
+              </a:rPr>
+              <a:t>isiku</a:t>
+            </a:r>
+            <a:r>
+              <a:rPr lang="en-US" sz="2400">
+                <a:solidFill>
+                  <a:srgbClr val="121212"/>
+                </a:solidFill>
+                <a:ea typeface="+mn-lt"/>
+                <a:cs typeface="+mn-lt"/>
+              </a:rPr>
+              <a:t> </a:t>
+            </a:r>
+            <a:r>
+              <a:rPr lang="en-US" sz="2400" err="1">
+                <a:solidFill>
+                  <a:srgbClr val="121212"/>
+                </a:solidFill>
+                <a:ea typeface="+mn-lt"/>
+                <a:cs typeface="+mn-lt"/>
+              </a:rPr>
+              <a:t>seksuaalelu</a:t>
+            </a:r>
+            <a:r>
+              <a:rPr lang="en-US" sz="2400">
+                <a:solidFill>
+                  <a:srgbClr val="121212"/>
+                </a:solidFill>
+                <a:ea typeface="+mn-lt"/>
+                <a:cs typeface="+mn-lt"/>
+              </a:rPr>
+              <a:t> ja </a:t>
+            </a:r>
+            <a:r>
+              <a:rPr lang="en-US" sz="2400" err="1">
+                <a:solidFill>
+                  <a:srgbClr val="121212"/>
+                </a:solidFill>
+                <a:ea typeface="+mn-lt"/>
+                <a:cs typeface="+mn-lt"/>
+              </a:rPr>
+              <a:t>seksuaalse</a:t>
+            </a:r>
+            <a:r>
+              <a:rPr lang="en-US" sz="2400">
+                <a:solidFill>
+                  <a:srgbClr val="121212"/>
+                </a:solidFill>
+                <a:ea typeface="+mn-lt"/>
+                <a:cs typeface="+mn-lt"/>
+              </a:rPr>
+              <a:t> </a:t>
+            </a:r>
+            <a:r>
+              <a:rPr lang="en-US" sz="2400" err="1">
+                <a:solidFill>
+                  <a:srgbClr val="121212"/>
+                </a:solidFill>
+                <a:ea typeface="+mn-lt"/>
+                <a:cs typeface="+mn-lt"/>
+              </a:rPr>
+              <a:t>sättumuse</a:t>
+            </a:r>
+            <a:r>
+              <a:rPr lang="en-US" sz="2400">
+                <a:solidFill>
+                  <a:srgbClr val="121212"/>
+                </a:solidFill>
+                <a:ea typeface="+mn-lt"/>
+                <a:cs typeface="+mn-lt"/>
+              </a:rPr>
+              <a:t> </a:t>
+            </a:r>
+            <a:r>
+              <a:rPr lang="en-US" sz="2400" err="1">
+                <a:solidFill>
+                  <a:srgbClr val="121212"/>
+                </a:solidFill>
+                <a:ea typeface="+mn-lt"/>
+                <a:cs typeface="+mn-lt"/>
+              </a:rPr>
+              <a:t>kohta</a:t>
+            </a:r>
+            <a:r>
+              <a:rPr lang="en-US" sz="2400">
+                <a:solidFill>
+                  <a:srgbClr val="121212"/>
+                </a:solidFill>
+                <a:ea typeface="+mn-lt"/>
+                <a:cs typeface="+mn-lt"/>
+              </a:rPr>
+              <a:t>.</a:t>
+            </a:r>
+            <a:endParaRPr lang="en-US"/>
+          </a:p>
+          <a:p>
+            <a:pPr>
+              <a:buFont typeface="Inter"/>
+            </a:pPr>
+            <a:endParaRPr lang="en-US" sz="2400">
+              <a:ea typeface="+mn-lt"/>
+              <a:cs typeface="+mn-lt"/>
+            </a:endParaRPr>
+          </a:p>
+          <a:p>
+            <a:pPr>
+              <a:buFont typeface="Inter"/>
+              <a:buChar char="‣"/>
+            </a:pPr>
+            <a:endParaRPr lang="en-US" sz="2400">
+              <a:ea typeface="+mn-lt"/>
+              <a:cs typeface="+mn-lt"/>
+            </a:endParaRPr>
+          </a:p>
+          <a:p>
+            <a:pPr marL="342900" indent="-342900">
+              <a:lnSpc>
+                <a:spcPct val="150000"/>
+              </a:lnSpc>
+              <a:buAutoNum type="arabicPeriod"/>
+            </a:pPr>
+            <a:endParaRPr lang="en-US" sz="2400">
+              <a:ea typeface="+mn-lt"/>
+              <a:cs typeface="+mn-lt"/>
+            </a:endParaRPr>
+          </a:p>
+        </p:txBody>
+      </p:sp>
+    </p:spTree>
+    <p:extLst>
+      <p:ext uri="{BB962C8B-B14F-4D97-AF65-F5344CB8AC3E}">
+        <p14:creationId xmlns:p14="http://schemas.microsoft.com/office/powerpoint/2010/main" val="2443866233"/>
+      </p:ext>
+    </p:extLst>
+  </p:cSld>
+  <p:clrMapOvr>
+    <a:masterClrMapping/>
+  </p:clrMapOvr>
+  <p:timing>
+    <p:tnLst>
+      <p:par>
+        <p:cTn id="1" dur="indefinite" restart="never" nodeType="tmRoot">
+          <p:childTnLst>
+            <p:seq concurrent="1" nextAc="seek">
+              <p:cTn id="2" dur="indefinite" nodeType="mainSeq">
+                <p:childTnLst>
+                  <p:par>
+                    <p:cTn id="3" fill="hold">
+                      <p:stCondLst>
+                        <p:cond delay="indefinite"/>
+                      </p:stCondLst>
+                      <p:childTnLst>
+                        <p:par>
+                          <p:cTn id="4" fill="hold">
+                            <p:stCondLst>
+                              <p:cond delay="0"/>
+                            </p:stCondLst>
+                            <p:childTnLst>
+                              <p:par>
+                                <p:cTn id="5" presetID="1" presetClass="entr" presetSubtype="0" fill="hold" grpId="0" nodeType="clickEffect">
+                                  <p:stCondLst>
+                                    <p:cond delay="0"/>
+                                  </p:stCondLst>
+                                  <p:childTnLst>
+                                    <p:set>
+                                      <p:cBhvr>
+                                        <p:cTn id="6" dur="1" fill="hold">
+                                          <p:stCondLst>
+                                            <p:cond delay="0"/>
+                                          </p:stCondLst>
+                                        </p:cTn>
+                                        <p:tgtEl>
+                                          <p:spTgt spid="4">
+                                            <p:txEl>
+                                              <p:pRg st="0" end="0"/>
+                                            </p:txEl>
+                                          </p:spTgt>
+                                        </p:tgtEl>
+                                        <p:attrNameLst>
+                                          <p:attrName>style.visibility</p:attrName>
+                                        </p:attrNameLst>
+                                      </p:cBhvr>
+                                      <p:to>
+                                        <p:strVal val="visible"/>
+                                      </p:to>
+                                    </p:set>
+                                  </p:childTnLst>
+                                </p:cTn>
+                              </p:par>
+                            </p:childTnLst>
+                          </p:cTn>
+                        </p:par>
+                      </p:childTnLst>
+                    </p:cTn>
+                  </p:par>
+                  <p:par>
+                    <p:cTn id="7" fill="hold">
+                      <p:stCondLst>
+                        <p:cond delay="indefinite"/>
+                      </p:stCondLst>
+                      <p:childTnLst>
+                        <p:par>
+                          <p:cTn id="8" fill="hold">
+                            <p:stCondLst>
+                              <p:cond delay="0"/>
+                            </p:stCondLst>
+                            <p:childTnLst>
+                              <p:par>
+                                <p:cTn id="9" presetID="1" presetClass="entr" presetSubtype="0" fill="hold" grpId="0" nodeType="clickEffect">
+                                  <p:stCondLst>
+                                    <p:cond delay="0"/>
+                                  </p:stCondLst>
+                                  <p:childTnLst>
+                                    <p:set>
+                                      <p:cBhvr>
+                                        <p:cTn id="10" dur="1" fill="hold">
+                                          <p:stCondLst>
+                                            <p:cond delay="0"/>
+                                          </p:stCondLst>
+                                        </p:cTn>
+                                        <p:tgtEl>
+                                          <p:spTgt spid="4">
+                                            <p:txEl>
+                                              <p:pRg st="1" end="1"/>
+                                            </p:txEl>
+                                          </p:spTgt>
+                                        </p:tgtEl>
+                                        <p:attrNameLst>
+                                          <p:attrName>style.visibility</p:attrName>
+                                        </p:attrNameLst>
+                                      </p:cBhvr>
+                                      <p:to>
+                                        <p:strVal val="visible"/>
+                                      </p:to>
+                                    </p:set>
+                                  </p:childTnLst>
+                                </p:cTn>
+                              </p:par>
+                            </p:childTnLst>
+                          </p:cTn>
+                        </p:par>
+                      </p:childTnLst>
+                    </p:cTn>
+                  </p:par>
+                  <p:par>
+                    <p:cTn id="11" fill="hold">
+                      <p:stCondLst>
+                        <p:cond delay="indefinite"/>
+                      </p:stCondLst>
+                      <p:childTnLst>
+                        <p:par>
+                          <p:cTn id="12" fill="hold">
+                            <p:stCondLst>
+                              <p:cond delay="0"/>
+                            </p:stCondLst>
+                            <p:childTnLst>
+                              <p:par>
+                                <p:cTn id="13" presetID="1" presetClass="entr" presetSubtype="0" fill="hold" grpId="0" nodeType="clickEffect">
+                                  <p:stCondLst>
+                                    <p:cond delay="0"/>
+                                  </p:stCondLst>
+                                  <p:childTnLst>
+                                    <p:set>
+                                      <p:cBhvr>
+                                        <p:cTn id="14" dur="1" fill="hold">
+                                          <p:stCondLst>
+                                            <p:cond delay="0"/>
+                                          </p:stCondLst>
+                                        </p:cTn>
+                                        <p:tgtEl>
+                                          <p:spTgt spid="4">
+                                            <p:txEl>
+                                              <p:pRg st="2" end="2"/>
+                                            </p:txEl>
+                                          </p:spTgt>
+                                        </p:tgtEl>
+                                        <p:attrNameLst>
+                                          <p:attrName>style.visibility</p:attrName>
+                                        </p:attrNameLst>
+                                      </p:cBhvr>
+                                      <p:to>
+                                        <p:strVal val="visible"/>
+                                      </p:to>
+                                    </p:set>
+                                  </p:childTnLst>
+                                </p:cTn>
+                              </p:par>
+                            </p:childTnLst>
+                          </p:cTn>
+                        </p:par>
+                      </p:childTnLst>
+                    </p:cTn>
+                  </p:par>
+                  <p:par>
+                    <p:cTn id="15" fill="hold">
+                      <p:stCondLst>
+                        <p:cond delay="indefinite"/>
+                      </p:stCondLst>
+                      <p:childTnLst>
+                        <p:par>
+                          <p:cTn id="16" fill="hold">
+                            <p:stCondLst>
+                              <p:cond delay="0"/>
+                            </p:stCondLst>
+                            <p:childTnLst>
+                              <p:par>
+                                <p:cTn id="17" presetID="1" presetClass="entr" presetSubtype="0" fill="hold" grpId="0" nodeType="clickEffect">
+                                  <p:stCondLst>
+                                    <p:cond delay="0"/>
+                                  </p:stCondLst>
+                                  <p:childTnLst>
+                                    <p:set>
+                                      <p:cBhvr>
+                                        <p:cTn id="18" dur="1" fill="hold">
+                                          <p:stCondLst>
+                                            <p:cond delay="0"/>
+                                          </p:stCondLst>
+                                        </p:cTn>
+                                        <p:tgtEl>
+                                          <p:spTgt spid="4">
+                                            <p:txEl>
+                                              <p:pRg st="3" end="3"/>
+                                            </p:txEl>
+                                          </p:spTgt>
+                                        </p:tgtEl>
+                                        <p:attrNameLst>
+                                          <p:attrName>style.visibility</p:attrName>
+                                        </p:attrNameLst>
+                                      </p:cBhvr>
+                                      <p:to>
+                                        <p:strVal val="visible"/>
+                                      </p:to>
+                                    </p:set>
+                                  </p:childTnLst>
+                                </p:cTn>
+                              </p:par>
+                            </p:childTnLst>
+                          </p:cTn>
+                        </p:par>
+                      </p:childTnLst>
+                    </p:cTn>
+                  </p:par>
+                  <p:par>
+                    <p:cTn id="19" fill="hold">
+                      <p:stCondLst>
+                        <p:cond delay="indefinite"/>
+                      </p:stCondLst>
+                      <p:childTnLst>
+                        <p:par>
+                          <p:cTn id="20" fill="hold">
+                            <p:stCondLst>
+                              <p:cond delay="0"/>
+                            </p:stCondLst>
+                            <p:childTnLst>
+                              <p:par>
+                                <p:cTn id="21" presetID="1" presetClass="entr" presetSubtype="0" fill="hold" grpId="0" nodeType="clickEffect">
+                                  <p:stCondLst>
+                                    <p:cond delay="0"/>
+                                  </p:stCondLst>
+                                  <p:childTnLst>
+                                    <p:set>
+                                      <p:cBhvr>
+                                        <p:cTn id="22" dur="1" fill="hold">
+                                          <p:stCondLst>
+                                            <p:cond delay="0"/>
+                                          </p:stCondLst>
+                                        </p:cTn>
+                                        <p:tgtEl>
+                                          <p:spTgt spid="4">
+                                            <p:txEl>
+                                              <p:pRg st="4" end="4"/>
+                                            </p:txEl>
+                                          </p:spTgt>
+                                        </p:tgtEl>
+                                        <p:attrNameLst>
+                                          <p:attrName>style.visibility</p:attrName>
+                                        </p:attrNameLst>
+                                      </p:cBhvr>
+                                      <p:to>
+                                        <p:strVal val="visible"/>
+                                      </p:to>
+                                    </p:set>
+                                  </p:childTnLst>
+                                </p:cTn>
+                              </p:par>
+                            </p:childTnLst>
+                          </p:cTn>
+                        </p:par>
+                      </p:childTnLst>
+                    </p:cTn>
+                  </p:par>
+                  <p:par>
+                    <p:cTn id="23" fill="hold">
+                      <p:stCondLst>
+                        <p:cond delay="indefinite"/>
+                      </p:stCondLst>
+                      <p:childTnLst>
+                        <p:par>
+                          <p:cTn id="24" fill="hold">
+                            <p:stCondLst>
+                              <p:cond delay="0"/>
+                            </p:stCondLst>
+                            <p:childTnLst>
+                              <p:par>
+                                <p:cTn id="25" presetID="1" presetClass="entr" presetSubtype="0" fill="hold" grpId="0" nodeType="clickEffect">
+                                  <p:stCondLst>
+                                    <p:cond delay="0"/>
+                                  </p:stCondLst>
+                                  <p:childTnLst>
+                                    <p:set>
+                                      <p:cBhvr>
+                                        <p:cTn id="26" dur="1" fill="hold">
+                                          <p:stCondLst>
+                                            <p:cond delay="0"/>
+                                          </p:stCondLst>
+                                        </p:cTn>
+                                        <p:tgtEl>
+                                          <p:spTgt spid="4">
+                                            <p:txEl>
+                                              <p:pRg st="5" end="5"/>
+                                            </p:txEl>
+                                          </p:spTgt>
+                                        </p:tgtEl>
+                                        <p:attrNameLst>
+                                          <p:attrName>style.visibility</p:attrName>
+                                        </p:attrNameLst>
+                                      </p:cBhvr>
+                                      <p:to>
+                                        <p:strVal val="visible"/>
+                                      </p:to>
+                                    </p:set>
+                                  </p:childTnLst>
+                                </p:cTn>
+                              </p:par>
+                            </p:childTnLst>
+                          </p:cTn>
+                        </p:par>
+                      </p:childTnLst>
+                    </p:cTn>
+                  </p:par>
+                </p:childTnLst>
+              </p:cTn>
+              <p:prevCondLst>
+                <p:cond evt="onPrev" delay="0">
+                  <p:tgtEl>
+                    <p:sldTgt/>
+                  </p:tgtEl>
+                </p:cond>
+              </p:prevCondLst>
+              <p:nextCondLst>
+                <p:cond evt="onNext" delay="0">
+                  <p:tgtEl>
+                    <p:sldTgt/>
+                  </p:tgtEl>
+                </p:cond>
+              </p:nextCondLst>
+            </p:seq>
+          </p:childTnLst>
+        </p:cTn>
+      </p:par>
+    </p:tnLst>
+    <p:bldLst>
+      <p:bldP spid="4" grpId="0" build="p"/>
+    </p:bldLst>
+  </p:timing>
+</p:sld>
+</file>
+
+<file path=ppt/slides/slide11.xml><?xml version="1.0" encoding="utf-8"?>
+<p:sld xmlns:a="http://schemas.openxmlformats.org/drawingml/2006/main" xmlns:r="http://schemas.openxmlformats.org/officeDocument/2006/relationships" xmlns:p="http://schemas.openxmlformats.org/presentationml/2006/main">
+  <p:cSld>
+    <p:spTree>
+      <p:nvGrpSpPr>
+        <p:cNvPr id="1" name="">
+          <a:extLst>
+            <a:ext uri="{FF2B5EF4-FFF2-40B4-BE49-F238E27FC236}">
               <a16:creationId xmlns:a16="http://schemas.microsoft.com/office/drawing/2014/main" id="{E7D11136-F650-0313-A1DC-5996467BA71F}"/>
             </a:ext>
           </a:extLst>
@@ -28383,7 +29583,7 @@
 </p:sld>
 </file>
 
-<file path=ppt/slides/slide11.xml><?xml version="1.0" encoding="utf-8"?>
+<file path=ppt/slides/slide12.xml><?xml version="1.0" encoding="utf-8"?>
 <p:sld xmlns:a="http://schemas.openxmlformats.org/drawingml/2006/main" xmlns:r="http://schemas.openxmlformats.org/officeDocument/2006/relationships" xmlns:p="http://schemas.openxmlformats.org/presentationml/2006/main">
   <p:cSld>
     <p:spTree>
@@ -30316,7 +31516,7 @@
 </p:sld>
 </file>
 
-<file path=ppt/slides/slide12.xml><?xml version="1.0" encoding="utf-8"?>
+<file path=ppt/slides/slide13.xml><?xml version="1.0" encoding="utf-8"?>
 <p:sld xmlns:a="http://schemas.openxmlformats.org/drawingml/2006/main" xmlns:r="http://schemas.openxmlformats.org/officeDocument/2006/relationships" xmlns:p="http://schemas.openxmlformats.org/presentationml/2006/main">
   <p:cSld>
     <p:spTree>
@@ -30429,7 +31629,7 @@
 </p:sld>
 </file>
 
-<file path=ppt/slides/slide13.xml><?xml version="1.0" encoding="utf-8"?>
+<file path=ppt/slides/slide14.xml><?xml version="1.0" encoding="utf-8"?>
 <p:sld xmlns:a="http://schemas.openxmlformats.org/drawingml/2006/main" xmlns:r="http://schemas.openxmlformats.org/officeDocument/2006/relationships" xmlns:p="http://schemas.openxmlformats.org/presentationml/2006/main">
   <p:cSld>
     <p:spTree>
@@ -32352,7 +33552,7 @@
 </p:sld>
 </file>
 
-<file path=ppt/slides/slide14.xml><?xml version="1.0" encoding="utf-8"?>
+<file path=ppt/slides/slide15.xml><?xml version="1.0" encoding="utf-8"?>
 <p:sld xmlns:a="http://schemas.openxmlformats.org/drawingml/2006/main" xmlns:r="http://schemas.openxmlformats.org/officeDocument/2006/relationships" xmlns:p="http://schemas.openxmlformats.org/presentationml/2006/main">
   <p:cSld>
     <p:spTree>
@@ -33209,7 +34409,7 @@
 </p:sld>
 </file>
 
-<file path=ppt/slides/slide15.xml><?xml version="1.0" encoding="utf-8"?>
+<file path=ppt/slides/slide16.xml><?xml version="1.0" encoding="utf-8"?>
 <p:sld xmlns:a="http://schemas.openxmlformats.org/drawingml/2006/main" xmlns:r="http://schemas.openxmlformats.org/officeDocument/2006/relationships" xmlns:p="http://schemas.openxmlformats.org/presentationml/2006/main">
   <p:cSld>
     <p:spTree>
@@ -34408,7 +35608,7 @@
 </p:sld>
 </file>
 
-<file path=ppt/slides/slide16.xml><?xml version="1.0" encoding="utf-8"?>
+<file path=ppt/slides/slide17.xml><?xml version="1.0" encoding="utf-8"?>
 <p:sld xmlns:a="http://schemas.openxmlformats.org/drawingml/2006/main" xmlns:r="http://schemas.openxmlformats.org/officeDocument/2006/relationships" xmlns:p="http://schemas.openxmlformats.org/presentationml/2006/main">
   <p:cSld>
     <p:spTree>
@@ -35306,7 +36506,7 @@
 </p:sld>
 </file>
 
-<file path=ppt/slides/slide17.xml><?xml version="1.0" encoding="utf-8"?>
+<file path=ppt/slides/slide18.xml><?xml version="1.0" encoding="utf-8"?>
 <p:sld xmlns:a="http://schemas.openxmlformats.org/drawingml/2006/main" xmlns:r="http://schemas.openxmlformats.org/officeDocument/2006/relationships" xmlns:p="http://schemas.openxmlformats.org/presentationml/2006/main">
   <p:cSld>
     <p:spTree>
@@ -36525,7 +37725,7 @@
 </p:sld>
 </file>
 
-<file path=ppt/slides/slide18.xml><?xml version="1.0" encoding="utf-8"?>
+<file path=ppt/slides/slide19.xml><?xml version="1.0" encoding="utf-8"?>
 <p:sld xmlns:a="http://schemas.openxmlformats.org/drawingml/2006/main" xmlns:r="http://schemas.openxmlformats.org/officeDocument/2006/relationships" xmlns:p="http://schemas.openxmlformats.org/presentationml/2006/main">
   <p:cSld>
     <p:spTree>
@@ -36814,222 +38014,6 @@
     <p:extLst>
       <p:ext uri="{BB962C8B-B14F-4D97-AF65-F5344CB8AC3E}">
         <p14:creationId xmlns:p14="http://schemas.microsoft.com/office/powerpoint/2010/main" val="4104031404"/>
-      </p:ext>
-    </p:extLst>
-  </p:cSld>
-  <p:clrMapOvr>
-    <a:masterClrMapping/>
-  </p:clrMapOvr>
-</p:sld>
-</file>
-
-<file path=ppt/slides/slide19.xml><?xml version="1.0" encoding="utf-8"?>
-<p:sld xmlns:a="http://schemas.openxmlformats.org/drawingml/2006/main" xmlns:r="http://schemas.openxmlformats.org/officeDocument/2006/relationships" xmlns:p="http://schemas.openxmlformats.org/presentationml/2006/main">
-  <p:cSld>
-    <p:spTree>
-      <p:nvGrpSpPr>
-        <p:cNvPr id="1" name="">
-          <a:extLst>
-            <a:ext uri="{FF2B5EF4-FFF2-40B4-BE49-F238E27FC236}">
-              <a16:creationId xmlns:a16="http://schemas.microsoft.com/office/drawing/2014/main" id="{C83E9D1A-D010-A2FD-742D-5F5DB359D99A}"/>
-            </a:ext>
-          </a:extLst>
-        </p:cNvPr>
-        <p:cNvGrpSpPr/>
-        <p:nvPr/>
-      </p:nvGrpSpPr>
-      <p:grpSpPr>
-        <a:xfrm>
-          <a:off x="0" y="0"/>
-          <a:ext cx="0" cy="0"/>
-          <a:chOff x="0" y="0"/>
-          <a:chExt cx="0" cy="0"/>
-        </a:xfrm>
-      </p:grpSpPr>
-      <p:sp>
-        <p:nvSpPr>
-          <p:cNvPr id="2" name="Title 1">
-            <a:extLst>
-              <a:ext uri="{FF2B5EF4-FFF2-40B4-BE49-F238E27FC236}">
-                <a16:creationId xmlns:a16="http://schemas.microsoft.com/office/drawing/2014/main" id="{41C315A1-2EB7-0018-E763-B73E36760418}"/>
-              </a:ext>
-            </a:extLst>
-          </p:cNvPr>
-          <p:cNvSpPr>
-            <a:spLocks noGrp="1"/>
-          </p:cNvSpPr>
-          <p:nvPr>
-            <p:ph type="ctrTitle"/>
-          </p:nvPr>
-        </p:nvSpPr>
-        <p:spPr/>
-        <p:txBody>
-          <a:bodyPr/>
-          <a:lstStyle/>
-          <a:p>
-            <a:r>
-              <a:rPr lang="en-US" sz="2800" err="1"/>
-              <a:t>Lisamaterjale</a:t>
-            </a:r>
-            <a:r>
-              <a:rPr lang="en-US" sz="2800"/>
-              <a:t> </a:t>
-            </a:r>
-            <a:r>
-              <a:rPr lang="en-US" sz="2800" err="1"/>
-              <a:t>andmekaitse</a:t>
-            </a:r>
-            <a:r>
-              <a:rPr lang="en-US" sz="2800"/>
-              <a:t> </a:t>
-            </a:r>
-            <a:r>
-              <a:rPr lang="en-US" sz="2800" err="1"/>
-              <a:t>kohta</a:t>
-            </a:r>
-          </a:p>
-        </p:txBody>
-      </p:sp>
-      <p:sp>
-        <p:nvSpPr>
-          <p:cNvPr id="3" name="Content Placeholder 2">
-            <a:extLst>
-              <a:ext uri="{FF2B5EF4-FFF2-40B4-BE49-F238E27FC236}">
-                <a16:creationId xmlns:a16="http://schemas.microsoft.com/office/drawing/2014/main" id="{E72E086A-9AC8-70D7-09C0-66D170C0AB74}"/>
-              </a:ext>
-            </a:extLst>
-          </p:cNvPr>
-          <p:cNvSpPr>
-            <a:spLocks noGrp="1"/>
-          </p:cNvSpPr>
-          <p:nvPr>
-            <p:ph sz="quarter" idx="10"/>
-          </p:nvPr>
-        </p:nvSpPr>
-        <p:spPr/>
-        <p:txBody>
-          <a:bodyPr/>
-          <a:lstStyle/>
-          <a:p>
-            <a:pPr>
-              <a:lnSpc>
-                <a:spcPct val="150000"/>
-              </a:lnSpc>
-            </a:pPr>
-            <a:endParaRPr lang="en-US" sz="2000">
-              <a:ea typeface="Inter"/>
-            </a:endParaRPr>
-          </a:p>
-          <a:p>
-            <a:pPr>
-              <a:lnSpc>
-                <a:spcPct val="150000"/>
-              </a:lnSpc>
-            </a:pPr>
-            <a:endParaRPr lang="en-US" sz="2000">
-              <a:ea typeface="Inter"/>
-            </a:endParaRPr>
-          </a:p>
-        </p:txBody>
-      </p:sp>
-      <p:sp>
-        <p:nvSpPr>
-          <p:cNvPr id="4" name="TextBox 3">
-            <a:extLst>
-              <a:ext uri="{FF2B5EF4-FFF2-40B4-BE49-F238E27FC236}">
-                <a16:creationId xmlns:a16="http://schemas.microsoft.com/office/drawing/2014/main" id="{498E1D98-B1F7-F3A1-53F6-04E762FE62F5}"/>
-              </a:ext>
-            </a:extLst>
-          </p:cNvPr>
-          <p:cNvSpPr txBox="1"/>
-          <p:nvPr/>
-        </p:nvSpPr>
-        <p:spPr>
-          <a:xfrm>
-            <a:off x="635431" y="1149828"/>
-            <a:ext cx="11034325" cy="1135504"/>
-          </a:xfrm>
-          <a:prstGeom prst="rect">
-            <a:avLst/>
-          </a:prstGeom>
-          <a:noFill/>
-        </p:spPr>
-        <p:txBody>
-          <a:bodyPr rot="0" spcFirstLastPara="0" vertOverflow="overflow" horzOverflow="overflow" vert="horz" wrap="square" lIns="91440" tIns="45720" rIns="91440" bIns="45720" numCol="1" spcCol="0" rtlCol="0" fromWordArt="0" anchor="t" anchorCtr="0" forceAA="0" compatLnSpc="1">
-            <a:prstTxWarp prst="textNoShape">
-              <a:avLst/>
-            </a:prstTxWarp>
-            <a:spAutoFit/>
-          </a:bodyPr>
-          <a:lstStyle/>
-          <a:p>
-            <a:pPr marL="285750" indent="-285750">
-              <a:lnSpc>
-                <a:spcPct val="150000"/>
-              </a:lnSpc>
-              <a:buFont typeface="Arial"/>
-              <a:buChar char="•"/>
-            </a:pPr>
-            <a:r>
-              <a:rPr lang="en-US" sz="2400" dirty="0" err="1">
-                <a:ea typeface="Inter"/>
-              </a:rPr>
-              <a:t>Andmekaitse</a:t>
-            </a:r>
-            <a:r>
-              <a:rPr lang="en-US" sz="2400" dirty="0">
-                <a:ea typeface="Inter"/>
-              </a:rPr>
-              <a:t> </a:t>
-            </a:r>
-            <a:r>
-              <a:rPr lang="en-US" sz="2400" dirty="0" err="1">
-                <a:ea typeface="Inter"/>
-              </a:rPr>
-              <a:t>inspektsioon</a:t>
-            </a:r>
-            <a:r>
-              <a:rPr lang="en-US" sz="2400" dirty="0">
-                <a:ea typeface="Inter"/>
-              </a:rPr>
-              <a:t>:</a:t>
-            </a:r>
-            <a:r>
-              <a:rPr lang="en-US" sz="2000" dirty="0">
-                <a:ea typeface="Inter"/>
-              </a:rPr>
-              <a:t> </a:t>
-            </a:r>
-            <a:r>
-              <a:rPr lang="en-US" sz="2000" dirty="0">
-                <a:ea typeface="Inter"/>
-                <a:hlinkClick r:id="rId2"/>
-              </a:rPr>
-              <a:t>Andmekaitse ABC</a:t>
-            </a:r>
-          </a:p>
-          <a:p>
-            <a:pPr marL="742950" lvl="1" indent="-285750">
-              <a:lnSpc>
-                <a:spcPct val="150000"/>
-              </a:lnSpc>
-              <a:buFont typeface="Courier New"/>
-              <a:buChar char="o"/>
-            </a:pPr>
-            <a:r>
-              <a:rPr lang="en-US" sz="2400" dirty="0">
-                <a:ea typeface="Inter"/>
-                <a:hlinkClick r:id="rId3"/>
-              </a:rPr>
-              <a:t>Isikuandmete töötleja üldjuhend</a:t>
-            </a:r>
-          </a:p>
-        </p:txBody>
-      </p:sp>
-    </p:spTree>
-    <p:extLst>
-      <p:ext uri="{BB962C8B-B14F-4D97-AF65-F5344CB8AC3E}">
-        <p14:creationId xmlns:p14="http://schemas.microsoft.com/office/powerpoint/2010/main" val="2968960742"/>
       </p:ext>
     </p:extLst>
   </p:cSld>
@@ -37942,6 +38926,222 @@
   <p:cSld>
     <p:spTree>
       <p:nvGrpSpPr>
+        <p:cNvPr id="1" name="">
+          <a:extLst>
+            <a:ext uri="{FF2B5EF4-FFF2-40B4-BE49-F238E27FC236}">
+              <a16:creationId xmlns:a16="http://schemas.microsoft.com/office/drawing/2014/main" id="{C83E9D1A-D010-A2FD-742D-5F5DB359D99A}"/>
+            </a:ext>
+          </a:extLst>
+        </p:cNvPr>
+        <p:cNvGrpSpPr/>
+        <p:nvPr/>
+      </p:nvGrpSpPr>
+      <p:grpSpPr>
+        <a:xfrm>
+          <a:off x="0" y="0"/>
+          <a:ext cx="0" cy="0"/>
+          <a:chOff x="0" y="0"/>
+          <a:chExt cx="0" cy="0"/>
+        </a:xfrm>
+      </p:grpSpPr>
+      <p:sp>
+        <p:nvSpPr>
+          <p:cNvPr id="2" name="Title 1">
+            <a:extLst>
+              <a:ext uri="{FF2B5EF4-FFF2-40B4-BE49-F238E27FC236}">
+                <a16:creationId xmlns:a16="http://schemas.microsoft.com/office/drawing/2014/main" id="{41C315A1-2EB7-0018-E763-B73E36760418}"/>
+              </a:ext>
+            </a:extLst>
+          </p:cNvPr>
+          <p:cNvSpPr>
+            <a:spLocks noGrp="1"/>
+          </p:cNvSpPr>
+          <p:nvPr>
+            <p:ph type="ctrTitle"/>
+          </p:nvPr>
+        </p:nvSpPr>
+        <p:spPr/>
+        <p:txBody>
+          <a:bodyPr/>
+          <a:lstStyle/>
+          <a:p>
+            <a:r>
+              <a:rPr lang="en-US" sz="2800" err="1"/>
+              <a:t>Lisamaterjale</a:t>
+            </a:r>
+            <a:r>
+              <a:rPr lang="en-US" sz="2800"/>
+              <a:t> </a:t>
+            </a:r>
+            <a:r>
+              <a:rPr lang="en-US" sz="2800" err="1"/>
+              <a:t>andmekaitse</a:t>
+            </a:r>
+            <a:r>
+              <a:rPr lang="en-US" sz="2800"/>
+              <a:t> </a:t>
+            </a:r>
+            <a:r>
+              <a:rPr lang="en-US" sz="2800" err="1"/>
+              <a:t>kohta</a:t>
+            </a:r>
+          </a:p>
+        </p:txBody>
+      </p:sp>
+      <p:sp>
+        <p:nvSpPr>
+          <p:cNvPr id="3" name="Content Placeholder 2">
+            <a:extLst>
+              <a:ext uri="{FF2B5EF4-FFF2-40B4-BE49-F238E27FC236}">
+                <a16:creationId xmlns:a16="http://schemas.microsoft.com/office/drawing/2014/main" id="{E72E086A-9AC8-70D7-09C0-66D170C0AB74}"/>
+              </a:ext>
+            </a:extLst>
+          </p:cNvPr>
+          <p:cNvSpPr>
+            <a:spLocks noGrp="1"/>
+          </p:cNvSpPr>
+          <p:nvPr>
+            <p:ph sz="quarter" idx="10"/>
+          </p:nvPr>
+        </p:nvSpPr>
+        <p:spPr/>
+        <p:txBody>
+          <a:bodyPr/>
+          <a:lstStyle/>
+          <a:p>
+            <a:pPr>
+              <a:lnSpc>
+                <a:spcPct val="150000"/>
+              </a:lnSpc>
+            </a:pPr>
+            <a:endParaRPr lang="en-US" sz="2000">
+              <a:ea typeface="Inter"/>
+            </a:endParaRPr>
+          </a:p>
+          <a:p>
+            <a:pPr>
+              <a:lnSpc>
+                <a:spcPct val="150000"/>
+              </a:lnSpc>
+            </a:pPr>
+            <a:endParaRPr lang="en-US" sz="2000">
+              <a:ea typeface="Inter"/>
+            </a:endParaRPr>
+          </a:p>
+        </p:txBody>
+      </p:sp>
+      <p:sp>
+        <p:nvSpPr>
+          <p:cNvPr id="4" name="TextBox 3">
+            <a:extLst>
+              <a:ext uri="{FF2B5EF4-FFF2-40B4-BE49-F238E27FC236}">
+                <a16:creationId xmlns:a16="http://schemas.microsoft.com/office/drawing/2014/main" id="{498E1D98-B1F7-F3A1-53F6-04E762FE62F5}"/>
+              </a:ext>
+            </a:extLst>
+          </p:cNvPr>
+          <p:cNvSpPr txBox="1"/>
+          <p:nvPr/>
+        </p:nvSpPr>
+        <p:spPr>
+          <a:xfrm>
+            <a:off x="635431" y="1149828"/>
+            <a:ext cx="11034325" cy="1135504"/>
+          </a:xfrm>
+          <a:prstGeom prst="rect">
+            <a:avLst/>
+          </a:prstGeom>
+          <a:noFill/>
+        </p:spPr>
+        <p:txBody>
+          <a:bodyPr rot="0" spcFirstLastPara="0" vertOverflow="overflow" horzOverflow="overflow" vert="horz" wrap="square" lIns="91440" tIns="45720" rIns="91440" bIns="45720" numCol="1" spcCol="0" rtlCol="0" fromWordArt="0" anchor="t" anchorCtr="0" forceAA="0" compatLnSpc="1">
+            <a:prstTxWarp prst="textNoShape">
+              <a:avLst/>
+            </a:prstTxWarp>
+            <a:spAutoFit/>
+          </a:bodyPr>
+          <a:lstStyle/>
+          <a:p>
+            <a:pPr marL="285750" indent="-285750">
+              <a:lnSpc>
+                <a:spcPct val="150000"/>
+              </a:lnSpc>
+              <a:buFont typeface="Arial"/>
+              <a:buChar char="•"/>
+            </a:pPr>
+            <a:r>
+              <a:rPr lang="en-US" sz="2400" dirty="0" err="1">
+                <a:ea typeface="Inter"/>
+              </a:rPr>
+              <a:t>Andmekaitse</a:t>
+            </a:r>
+            <a:r>
+              <a:rPr lang="en-US" sz="2400" dirty="0">
+                <a:ea typeface="Inter"/>
+              </a:rPr>
+              <a:t> </a:t>
+            </a:r>
+            <a:r>
+              <a:rPr lang="en-US" sz="2400" dirty="0" err="1">
+                <a:ea typeface="Inter"/>
+              </a:rPr>
+              <a:t>inspektsioon</a:t>
+            </a:r>
+            <a:r>
+              <a:rPr lang="en-US" sz="2400" dirty="0">
+                <a:ea typeface="Inter"/>
+              </a:rPr>
+              <a:t>:</a:t>
+            </a:r>
+            <a:r>
+              <a:rPr lang="en-US" sz="2000" dirty="0">
+                <a:ea typeface="Inter"/>
+              </a:rPr>
+              <a:t> </a:t>
+            </a:r>
+            <a:r>
+              <a:rPr lang="en-US" sz="2000" dirty="0">
+                <a:ea typeface="Inter"/>
+                <a:hlinkClick r:id="rId2"/>
+              </a:rPr>
+              <a:t>Andmekaitse ABC</a:t>
+            </a:r>
+          </a:p>
+          <a:p>
+            <a:pPr marL="742950" lvl="1" indent="-285750">
+              <a:lnSpc>
+                <a:spcPct val="150000"/>
+              </a:lnSpc>
+              <a:buFont typeface="Courier New"/>
+              <a:buChar char="o"/>
+            </a:pPr>
+            <a:r>
+              <a:rPr lang="en-US" sz="2400" dirty="0">
+                <a:ea typeface="Inter"/>
+                <a:hlinkClick r:id="rId3"/>
+              </a:rPr>
+              <a:t>Isikuandmete töötleja üldjuhend</a:t>
+            </a:r>
+          </a:p>
+        </p:txBody>
+      </p:sp>
+    </p:spTree>
+    <p:extLst>
+      <p:ext uri="{BB962C8B-B14F-4D97-AF65-F5344CB8AC3E}">
+        <p14:creationId xmlns:p14="http://schemas.microsoft.com/office/powerpoint/2010/main" val="2968960742"/>
+      </p:ext>
+    </p:extLst>
+  </p:cSld>
+  <p:clrMapOvr>
+    <a:masterClrMapping/>
+  </p:clrMapOvr>
+</p:sld>
+</file>
+
+<file path=ppt/slides/slide21.xml><?xml version="1.0" encoding="utf-8"?>
+<p:sld xmlns:a="http://schemas.openxmlformats.org/drawingml/2006/main" xmlns:r="http://schemas.openxmlformats.org/officeDocument/2006/relationships" xmlns:p="http://schemas.openxmlformats.org/presentationml/2006/main">
+  <p:cSld>
+    <p:spTree>
+      <p:nvGrpSpPr>
         <p:cNvPr id="1" name=""/>
         <p:cNvGrpSpPr/>
         <p:nvPr/>
@@ -38082,7 +39282,7 @@
 </p:sld>
 </file>
 
-<file path=ppt/slides/slide21.xml><?xml version="1.0" encoding="utf-8"?>
+<file path=ppt/slides/slide22.xml><?xml version="1.0" encoding="utf-8"?>
 <p:sld xmlns:a="http://schemas.openxmlformats.org/drawingml/2006/main" xmlns:r="http://schemas.openxmlformats.org/officeDocument/2006/relationships" xmlns:p="http://schemas.openxmlformats.org/presentationml/2006/main">
   <p:cSld>
     <p:spTree>
@@ -38199,7 +39399,7 @@
 </p:sld>
 </file>
 
-<file path=ppt/slides/slide22.xml><?xml version="1.0" encoding="utf-8"?>
+<file path=ppt/slides/slide23.xml><?xml version="1.0" encoding="utf-8"?>
 <p:sld xmlns:a="http://schemas.openxmlformats.org/drawingml/2006/main" xmlns:r="http://schemas.openxmlformats.org/officeDocument/2006/relationships" xmlns:p="http://schemas.openxmlformats.org/presentationml/2006/main">
   <p:cSld>
     <p:spTree>
@@ -38312,7 +39512,7 @@
 </p:sld>
 </file>
 
-<file path=ppt/slides/slide23.xml><?xml version="1.0" encoding="utf-8"?>
+<file path=ppt/slides/slide24.xml><?xml version="1.0" encoding="utf-8"?>
 <p:sld xmlns:a="http://schemas.openxmlformats.org/drawingml/2006/main" xmlns:r="http://schemas.openxmlformats.org/officeDocument/2006/relationships" xmlns:p="http://schemas.openxmlformats.org/presentationml/2006/main">
   <p:cSld>
     <p:spTree>
@@ -38972,7 +40172,7 @@
 </p:sld>
 </file>
 
-<file path=ppt/slides/slide24.xml><?xml version="1.0" encoding="utf-8"?>
+<file path=ppt/slides/slide25.xml><?xml version="1.0" encoding="utf-8"?>
 <p:sld xmlns:a="http://schemas.openxmlformats.org/drawingml/2006/main" xmlns:r="http://schemas.openxmlformats.org/officeDocument/2006/relationships" xmlns:p="http://schemas.openxmlformats.org/presentationml/2006/main">
   <p:cSld>
     <p:spTree>
@@ -39361,7 +40561,7 @@
 </p:sld>
 </file>
 
-<file path=ppt/slides/slide25.xml><?xml version="1.0" encoding="utf-8"?>
+<file path=ppt/slides/slide26.xml><?xml version="1.0" encoding="utf-8"?>
 <p:sld xmlns:a="http://schemas.openxmlformats.org/drawingml/2006/main" xmlns:r="http://schemas.openxmlformats.org/officeDocument/2006/relationships" xmlns:p="http://schemas.openxmlformats.org/presentationml/2006/main">
   <p:cSld>
     <p:spTree>
@@ -41952,6 +43152,164 @@
 </file>
 
 <file path=ppt/slides/slide6.xml><?xml version="1.0" encoding="utf-8"?>
+<p:sld xmlns:a="http://schemas.openxmlformats.org/drawingml/2006/main" xmlns:r="http://schemas.openxmlformats.org/officeDocument/2006/relationships" xmlns:p="http://schemas.openxmlformats.org/presentationml/2006/main">
+  <p:cSld>
+    <p:spTree>
+      <p:nvGrpSpPr>
+        <p:cNvPr id="1" name=""/>
+        <p:cNvGrpSpPr/>
+        <p:nvPr/>
+      </p:nvGrpSpPr>
+      <p:grpSpPr>
+        <a:xfrm>
+          <a:off x="0" y="0"/>
+          <a:ext cx="0" cy="0"/>
+          <a:chOff x="0" y="0"/>
+          <a:chExt cx="0" cy="0"/>
+        </a:xfrm>
+      </p:grpSpPr>
+      <p:sp>
+        <p:nvSpPr>
+          <p:cNvPr id="2" name="Title 1">
+            <a:extLst>
+              <a:ext uri="{FF2B5EF4-FFF2-40B4-BE49-F238E27FC236}">
+                <a16:creationId xmlns:a16="http://schemas.microsoft.com/office/drawing/2014/main" id="{D8BBCD4B-5EAC-3CF6-4E27-2999E0F3EB3E}"/>
+              </a:ext>
+            </a:extLst>
+          </p:cNvPr>
+          <p:cNvSpPr>
+            <a:spLocks noGrp="1"/>
+          </p:cNvSpPr>
+          <p:nvPr>
+            <p:ph type="ctrTitle"/>
+          </p:nvPr>
+        </p:nvSpPr>
+        <p:spPr/>
+        <p:txBody>
+          <a:bodyPr/>
+          <a:lstStyle/>
+          <a:p>
+            <a:r>
+              <a:rPr lang="en-US" sz="2000" dirty="0" err="1"/>
+              <a:t>Isikuandmete</a:t>
+            </a:r>
+            <a:r>
+              <a:rPr lang="en-US" sz="2000" dirty="0"/>
+              <a:t> </a:t>
+            </a:r>
+            <a:r>
+              <a:rPr lang="en-US" sz="2000" dirty="0" err="1"/>
+              <a:t>peitmine</a:t>
+            </a:r>
+            <a:r>
+              <a:rPr lang="en-US" sz="2000" dirty="0"/>
+              <a:t> - </a:t>
+            </a:r>
+            <a:r>
+              <a:rPr lang="en-US" sz="2000" b="1" dirty="0"/>
+              <a:t>a</a:t>
+            </a:r>
+            <a:r>
+              <a:rPr lang="et-EE" sz="2000" b="1" dirty="0" err="1"/>
+              <a:t>nonümiseerimine</a:t>
+            </a:r>
+            <a:r>
+              <a:rPr lang="et-EE" sz="2000" b="1" dirty="0"/>
+              <a:t> vs </a:t>
+            </a:r>
+            <a:r>
+              <a:rPr lang="et-EE" sz="2000" b="1" dirty="0" err="1"/>
+              <a:t>pseudonümiseerimine</a:t>
+            </a:r>
+            <a:br>
+              <a:rPr lang="et-EE" b="1" dirty="0"/>
+            </a:br>
+            <a:endParaRPr lang="et-EE" dirty="0"/>
+          </a:p>
+        </p:txBody>
+      </p:sp>
+      <p:sp>
+        <p:nvSpPr>
+          <p:cNvPr id="3" name="Content Placeholder 2">
+            <a:extLst>
+              <a:ext uri="{FF2B5EF4-FFF2-40B4-BE49-F238E27FC236}">
+                <a16:creationId xmlns:a16="http://schemas.microsoft.com/office/drawing/2014/main" id="{5708205D-3E9E-F4F8-FD74-89B0632FAA62}"/>
+              </a:ext>
+            </a:extLst>
+          </p:cNvPr>
+          <p:cNvSpPr>
+            <a:spLocks noGrp="1"/>
+          </p:cNvSpPr>
+          <p:nvPr>
+            <p:ph sz="quarter" idx="10"/>
+          </p:nvPr>
+        </p:nvSpPr>
+        <p:spPr/>
+        <p:txBody>
+          <a:bodyPr/>
+          <a:lstStyle/>
+          <a:p>
+            <a:r>
+              <a:rPr lang="et-EE" sz="1800" b="1" dirty="0" err="1"/>
+              <a:t>Anonümiseerimine</a:t>
+            </a:r>
+            <a:r>
+              <a:rPr lang="et-EE" sz="1800" dirty="0"/>
+              <a:t> eemaldab kõik seosed, mis võimaldaksid isiku tuvastamist, ja seda ei saa tagasi pöörata. See tähendab, et andmed muudetakse täielikult anonüümseks ja neid ei saa enam seostada konkreetse isikuga. </a:t>
+            </a:r>
+            <a:endParaRPr lang="en-US" sz="1800" dirty="0"/>
+          </a:p>
+          <a:p>
+            <a:pPr lvl="1"/>
+            <a:r>
+              <a:rPr lang="et-EE" sz="1800" dirty="0"/>
+              <a:t>Näiteks võib see hõlmata isikuandmete asendamist juhuslike koodidega, mille puhul ei säilitata seost originaalandmetega.</a:t>
+            </a:r>
+            <a:endParaRPr lang="en-US" sz="1800" dirty="0"/>
+          </a:p>
+          <a:p>
+            <a:pPr marL="0" indent="0">
+              <a:buNone/>
+            </a:pPr>
+            <a:endParaRPr lang="et-EE" sz="1800" dirty="0"/>
+          </a:p>
+          <a:p>
+            <a:r>
+              <a:rPr lang="et-EE" sz="1800" b="1" dirty="0" err="1"/>
+              <a:t>Pseudonümiseerimine</a:t>
+            </a:r>
+            <a:r>
+              <a:rPr lang="et-EE" sz="1800" dirty="0"/>
+              <a:t> asendab isikuandmed pseudonüümidega, kuid säilitab võimaluse isiku tuvastamiseks täiendava teabe abil. </a:t>
+            </a:r>
+            <a:endParaRPr lang="en-US" sz="1800" dirty="0"/>
+          </a:p>
+          <a:p>
+            <a:pPr lvl="1"/>
+            <a:r>
+              <a:rPr lang="et-EE" sz="1800" dirty="0"/>
+              <a:t>Näiteks võib meditsiiniuuringus patsientide nimed asendada koodidega, kuid säilitada eraldi turvalises kohas võtme, mis võimaldab koode nimedega siduda.</a:t>
+            </a:r>
+          </a:p>
+          <a:p>
+            <a:endParaRPr lang="et-EE" dirty="0"/>
+          </a:p>
+        </p:txBody>
+      </p:sp>
+    </p:spTree>
+    <p:extLst>
+      <p:ext uri="{BB962C8B-B14F-4D97-AF65-F5344CB8AC3E}">
+        <p14:creationId xmlns:p14="http://schemas.microsoft.com/office/powerpoint/2010/main" val="4151671185"/>
+      </p:ext>
+    </p:extLst>
+  </p:cSld>
+  <p:clrMapOvr>
+    <a:masterClrMapping/>
+  </p:clrMapOvr>
+</p:sld>
+</file>
+
+<file path=ppt/slides/slide7.xml><?xml version="1.0" encoding="utf-8"?>
 <p:sld xmlns:a="http://schemas.openxmlformats.org/drawingml/2006/main" xmlns:r="http://schemas.openxmlformats.org/officeDocument/2006/relationships" xmlns:p="http://schemas.openxmlformats.org/presentationml/2006/main">
   <p:cSld>
     <p:spTree>
@@ -43892,7 +45250,7 @@
 </p:sld>
 </file>
 
-<file path=ppt/slides/slide7.xml><?xml version="1.0" encoding="utf-8"?>
+<file path=ppt/slides/slide8.xml><?xml version="1.0" encoding="utf-8"?>
 <p:sld xmlns:a="http://schemas.openxmlformats.org/drawingml/2006/main" xmlns:r="http://schemas.openxmlformats.org/officeDocument/2006/relationships" xmlns:p="http://schemas.openxmlformats.org/presentationml/2006/main">
   <p:cSld>
     <p:spTree>
@@ -44650,7 +46008,7 @@
 </p:sld>
 </file>
 
-<file path=ppt/slides/slide8.xml><?xml version="1.0" encoding="utf-8"?>
+<file path=ppt/slides/slide9.xml><?xml version="1.0" encoding="utf-8"?>
 <p:sld xmlns:a="http://schemas.openxmlformats.org/drawingml/2006/main" xmlns:r="http://schemas.openxmlformats.org/officeDocument/2006/relationships" xmlns:p="http://schemas.openxmlformats.org/presentationml/2006/main">
   <p:cSld>
     <p:spTree>
@@ -45366,1167 +46724,6 @@
                                           <p:spTgt spid="4">
                                             <p:txEl>
                                               <p:pRg st="6" end="6"/>
-                                            </p:txEl>
-                                          </p:spTgt>
-                                        </p:tgtEl>
-                                        <p:attrNameLst>
-                                          <p:attrName>style.visibility</p:attrName>
-                                        </p:attrNameLst>
-                                      </p:cBhvr>
-                                      <p:to>
-                                        <p:strVal val="visible"/>
-                                      </p:to>
-                                    </p:set>
-                                  </p:childTnLst>
-                                </p:cTn>
-                              </p:par>
-                            </p:childTnLst>
-                          </p:cTn>
-                        </p:par>
-                      </p:childTnLst>
-                    </p:cTn>
-                  </p:par>
-                </p:childTnLst>
-              </p:cTn>
-              <p:prevCondLst>
-                <p:cond evt="onPrev" delay="0">
-                  <p:tgtEl>
-                    <p:sldTgt/>
-                  </p:tgtEl>
-                </p:cond>
-              </p:prevCondLst>
-              <p:nextCondLst>
-                <p:cond evt="onNext" delay="0">
-                  <p:tgtEl>
-                    <p:sldTgt/>
-                  </p:tgtEl>
-                </p:cond>
-              </p:nextCondLst>
-            </p:seq>
-          </p:childTnLst>
-        </p:cTn>
-      </p:par>
-    </p:tnLst>
-    <p:bldLst>
-      <p:bldP spid="4" grpId="0" build="p"/>
-    </p:bldLst>
-  </p:timing>
-</p:sld>
-</file>
-
-<file path=ppt/slides/slide9.xml><?xml version="1.0" encoding="utf-8"?>
-<p:sld xmlns:a="http://schemas.openxmlformats.org/drawingml/2006/main" xmlns:r="http://schemas.openxmlformats.org/officeDocument/2006/relationships" xmlns:p="http://schemas.openxmlformats.org/presentationml/2006/main">
-  <p:cSld>
-    <p:spTree>
-      <p:nvGrpSpPr>
-        <p:cNvPr id="1" name="">
-          <a:extLst>
-            <a:ext uri="{FF2B5EF4-FFF2-40B4-BE49-F238E27FC236}">
-              <a16:creationId xmlns:a16="http://schemas.microsoft.com/office/drawing/2014/main" id="{F7DCEEB9-CD9F-308B-51A4-57F7B3F90BB3}"/>
-            </a:ext>
-          </a:extLst>
-        </p:cNvPr>
-        <p:cNvGrpSpPr/>
-        <p:nvPr/>
-      </p:nvGrpSpPr>
-      <p:grpSpPr>
-        <a:xfrm>
-          <a:off x="0" y="0"/>
-          <a:ext cx="0" cy="0"/>
-          <a:chOff x="0" y="0"/>
-          <a:chExt cx="0" cy="0"/>
-        </a:xfrm>
-      </p:grpSpPr>
-      <p:sp>
-        <p:nvSpPr>
-          <p:cNvPr id="2" name="Title 1">
-            <a:extLst>
-              <a:ext uri="{FF2B5EF4-FFF2-40B4-BE49-F238E27FC236}">
-                <a16:creationId xmlns:a16="http://schemas.microsoft.com/office/drawing/2014/main" id="{56BA7AD0-F255-B3B4-9613-AF33EBA9055C}"/>
-              </a:ext>
-            </a:extLst>
-          </p:cNvPr>
-          <p:cNvSpPr>
-            <a:spLocks noGrp="1"/>
-          </p:cNvSpPr>
-          <p:nvPr>
-            <p:ph type="ctrTitle"/>
-          </p:nvPr>
-        </p:nvSpPr>
-        <p:spPr/>
-        <p:txBody>
-          <a:bodyPr/>
-          <a:lstStyle/>
-          <a:p>
-            <a:r>
-              <a:rPr lang="en-US" sz="3600" b="1" err="1"/>
-              <a:t>Eriliiki</a:t>
-            </a:r>
-            <a:r>
-              <a:rPr lang="en-US" sz="3600" b="1"/>
-              <a:t> </a:t>
-            </a:r>
-            <a:r>
-              <a:rPr lang="en-US" sz="3600" b="1" err="1"/>
-              <a:t>isikuandmed</a:t>
-            </a:r>
-            <a:endParaRPr lang="en-US" err="1"/>
-          </a:p>
-        </p:txBody>
-      </p:sp>
-      <p:sp>
-        <p:nvSpPr>
-          <p:cNvPr id="4" name="Content Placeholder 3">
-            <a:extLst>
-              <a:ext uri="{FF2B5EF4-FFF2-40B4-BE49-F238E27FC236}">
-                <a16:creationId xmlns:a16="http://schemas.microsoft.com/office/drawing/2014/main" id="{68EB2844-3EB4-8C98-BAC1-04AB054DC616}"/>
-              </a:ext>
-            </a:extLst>
-          </p:cNvPr>
-          <p:cNvSpPr>
-            <a:spLocks noGrp="1"/>
-          </p:cNvSpPr>
-          <p:nvPr>
-            <p:ph sz="quarter" idx="10"/>
-          </p:nvPr>
-        </p:nvSpPr>
-        <p:spPr>
-          <a:xfrm>
-            <a:off x="623888" y="1268413"/>
-            <a:ext cx="11570451" cy="4465637"/>
-          </a:xfrm>
-        </p:spPr>
-        <p:txBody>
-          <a:bodyPr/>
-          <a:lstStyle/>
-          <a:p>
-            <a:pPr>
-              <a:lnSpc>
-                <a:spcPct val="150000"/>
-              </a:lnSpc>
-              <a:buFont typeface="Inter"/>
-            </a:pPr>
-            <a:r>
-              <a:rPr lang="en-US" sz="2400">
-                <a:ea typeface="+mn-lt"/>
-                <a:cs typeface="+mn-lt"/>
-                <a:hlinkClick r:id="rId3"/>
-              </a:rPr>
-              <a:t>Isikuandmete kaitse üldmäärus artikkel 9 lõige 1</a:t>
-            </a:r>
-            <a:r>
-              <a:rPr lang="en-US" sz="2400">
-                <a:ea typeface="+mn-lt"/>
-                <a:cs typeface="+mn-lt"/>
-              </a:rPr>
-              <a:t>: </a:t>
-            </a:r>
-            <a:endParaRPr lang="en-US" sz="2400" err="1">
-              <a:ea typeface="+mn-lt"/>
-              <a:cs typeface="+mn-lt"/>
-            </a:endParaRPr>
-          </a:p>
-          <a:p>
-            <a:pPr lvl="1">
-              <a:lnSpc>
-                <a:spcPct val="150000"/>
-              </a:lnSpc>
-              <a:buFont typeface="Courier New"/>
-              <a:buChar char="o"/>
-            </a:pPr>
-            <a:r>
-              <a:rPr lang="en-US" sz="2400" err="1">
-                <a:solidFill>
-                  <a:srgbClr val="121212"/>
-                </a:solidFill>
-                <a:ea typeface="+mn-lt"/>
-                <a:cs typeface="+mn-lt"/>
-              </a:rPr>
-              <a:t>andmed</a:t>
-            </a:r>
-            <a:r>
-              <a:rPr lang="en-US" sz="2400">
-                <a:solidFill>
-                  <a:srgbClr val="121212"/>
-                </a:solidFill>
-                <a:ea typeface="+mn-lt"/>
-                <a:cs typeface="+mn-lt"/>
-              </a:rPr>
-              <a:t>, </a:t>
-            </a:r>
-            <a:r>
-              <a:rPr lang="en-US" sz="2400" err="1">
-                <a:solidFill>
-                  <a:srgbClr val="121212"/>
-                </a:solidFill>
-                <a:ea typeface="+mn-lt"/>
-                <a:cs typeface="+mn-lt"/>
-              </a:rPr>
-              <a:t>millest</a:t>
-            </a:r>
-            <a:r>
-              <a:rPr lang="en-US" sz="2400">
-                <a:solidFill>
-                  <a:srgbClr val="121212"/>
-                </a:solidFill>
-                <a:ea typeface="+mn-lt"/>
-                <a:cs typeface="+mn-lt"/>
-              </a:rPr>
-              <a:t> </a:t>
-            </a:r>
-            <a:r>
-              <a:rPr lang="en-US" sz="2400" err="1">
-                <a:solidFill>
-                  <a:srgbClr val="121212"/>
-                </a:solidFill>
-                <a:ea typeface="+mn-lt"/>
-                <a:cs typeface="+mn-lt"/>
-              </a:rPr>
-              <a:t>ilmneb</a:t>
-            </a:r>
-            <a:r>
-              <a:rPr lang="en-US" sz="2400">
-                <a:solidFill>
-                  <a:srgbClr val="121212"/>
-                </a:solidFill>
-                <a:ea typeface="+mn-lt"/>
-                <a:cs typeface="+mn-lt"/>
-              </a:rPr>
-              <a:t> </a:t>
-            </a:r>
-            <a:r>
-              <a:rPr lang="en-US" sz="2400" err="1">
-                <a:solidFill>
-                  <a:srgbClr val="121212"/>
-                </a:solidFill>
-                <a:ea typeface="+mn-lt"/>
-                <a:cs typeface="+mn-lt"/>
-              </a:rPr>
-              <a:t>rassiline</a:t>
-            </a:r>
-            <a:r>
-              <a:rPr lang="en-US" sz="2400">
-                <a:solidFill>
-                  <a:srgbClr val="121212"/>
-                </a:solidFill>
-                <a:ea typeface="+mn-lt"/>
-                <a:cs typeface="+mn-lt"/>
-              </a:rPr>
-              <a:t> </a:t>
-            </a:r>
-            <a:r>
-              <a:rPr lang="en-US" sz="2400" err="1">
-                <a:solidFill>
-                  <a:srgbClr val="121212"/>
-                </a:solidFill>
-                <a:ea typeface="+mn-lt"/>
-                <a:cs typeface="+mn-lt"/>
-              </a:rPr>
-              <a:t>või</a:t>
-            </a:r>
-            <a:r>
-              <a:rPr lang="en-US" sz="2400">
-                <a:solidFill>
-                  <a:srgbClr val="121212"/>
-                </a:solidFill>
-                <a:ea typeface="+mn-lt"/>
-                <a:cs typeface="+mn-lt"/>
-              </a:rPr>
-              <a:t> </a:t>
-            </a:r>
-            <a:r>
-              <a:rPr lang="en-US" sz="2400" err="1">
-                <a:solidFill>
-                  <a:srgbClr val="121212"/>
-                </a:solidFill>
-                <a:ea typeface="+mn-lt"/>
-                <a:cs typeface="+mn-lt"/>
-              </a:rPr>
-              <a:t>etniline</a:t>
-            </a:r>
-            <a:r>
-              <a:rPr lang="en-US" sz="2400">
-                <a:solidFill>
-                  <a:srgbClr val="121212"/>
-                </a:solidFill>
-                <a:ea typeface="+mn-lt"/>
-                <a:cs typeface="+mn-lt"/>
-              </a:rPr>
-              <a:t> </a:t>
-            </a:r>
-            <a:r>
-              <a:rPr lang="en-US" sz="2400" err="1">
-                <a:solidFill>
-                  <a:srgbClr val="121212"/>
-                </a:solidFill>
-                <a:ea typeface="+mn-lt"/>
-                <a:cs typeface="+mn-lt"/>
-              </a:rPr>
-              <a:t>päritolu</a:t>
-            </a:r>
-            <a:r>
-              <a:rPr lang="en-US" sz="2400">
-                <a:solidFill>
-                  <a:srgbClr val="121212"/>
-                </a:solidFill>
-                <a:ea typeface="+mn-lt"/>
-                <a:cs typeface="+mn-lt"/>
-              </a:rPr>
-              <a:t>, </a:t>
-            </a:r>
-            <a:r>
-              <a:rPr lang="en-US" sz="2400" err="1">
-                <a:solidFill>
-                  <a:srgbClr val="121212"/>
-                </a:solidFill>
-                <a:ea typeface="+mn-lt"/>
-                <a:cs typeface="+mn-lt"/>
-              </a:rPr>
-              <a:t>poliitilised</a:t>
-            </a:r>
-            <a:r>
-              <a:rPr lang="en-US" sz="2400">
-                <a:solidFill>
-                  <a:srgbClr val="121212"/>
-                </a:solidFill>
-                <a:ea typeface="+mn-lt"/>
-                <a:cs typeface="+mn-lt"/>
-              </a:rPr>
-              <a:t> </a:t>
-            </a:r>
-            <a:r>
-              <a:rPr lang="en-US" sz="2400" err="1">
-                <a:solidFill>
-                  <a:srgbClr val="121212"/>
-                </a:solidFill>
-                <a:ea typeface="+mn-lt"/>
-                <a:cs typeface="+mn-lt"/>
-              </a:rPr>
-              <a:t>vaated</a:t>
-            </a:r>
-            <a:r>
-              <a:rPr lang="en-US" sz="2400">
-                <a:solidFill>
-                  <a:srgbClr val="121212"/>
-                </a:solidFill>
-                <a:ea typeface="+mn-lt"/>
-                <a:cs typeface="+mn-lt"/>
-              </a:rPr>
-              <a:t>, </a:t>
-            </a:r>
-            <a:r>
-              <a:rPr lang="en-US" sz="2400" err="1">
-                <a:solidFill>
-                  <a:srgbClr val="121212"/>
-                </a:solidFill>
-                <a:ea typeface="+mn-lt"/>
-                <a:cs typeface="+mn-lt"/>
-              </a:rPr>
-              <a:t>usulised</a:t>
-            </a:r>
-            <a:r>
-              <a:rPr lang="en-US" sz="2400">
-                <a:solidFill>
-                  <a:srgbClr val="121212"/>
-                </a:solidFill>
-                <a:ea typeface="+mn-lt"/>
-                <a:cs typeface="+mn-lt"/>
-              </a:rPr>
-              <a:t> </a:t>
-            </a:r>
-            <a:r>
-              <a:rPr lang="en-US" sz="2400" err="1">
-                <a:solidFill>
-                  <a:srgbClr val="121212"/>
-                </a:solidFill>
-                <a:ea typeface="+mn-lt"/>
-                <a:cs typeface="+mn-lt"/>
-              </a:rPr>
-              <a:t>või</a:t>
-            </a:r>
-            <a:r>
-              <a:rPr lang="en-US" sz="2400">
-                <a:solidFill>
-                  <a:srgbClr val="121212"/>
-                </a:solidFill>
-                <a:ea typeface="+mn-lt"/>
-                <a:cs typeface="+mn-lt"/>
-              </a:rPr>
-              <a:t> </a:t>
-            </a:r>
-            <a:r>
-              <a:rPr lang="en-US" sz="2400" err="1">
-                <a:solidFill>
-                  <a:srgbClr val="121212"/>
-                </a:solidFill>
-                <a:ea typeface="+mn-lt"/>
-                <a:cs typeface="+mn-lt"/>
-              </a:rPr>
-              <a:t>filosoofilised</a:t>
-            </a:r>
-            <a:r>
-              <a:rPr lang="en-US" sz="2400">
-                <a:solidFill>
-                  <a:srgbClr val="121212"/>
-                </a:solidFill>
-                <a:ea typeface="+mn-lt"/>
-                <a:cs typeface="+mn-lt"/>
-              </a:rPr>
-              <a:t> </a:t>
-            </a:r>
-            <a:r>
-              <a:rPr lang="en-US" sz="2400" err="1">
-                <a:solidFill>
-                  <a:srgbClr val="121212"/>
-                </a:solidFill>
-                <a:ea typeface="+mn-lt"/>
-                <a:cs typeface="+mn-lt"/>
-              </a:rPr>
-              <a:t>veendumused</a:t>
-            </a:r>
-            <a:r>
-              <a:rPr lang="en-US" sz="2400">
-                <a:solidFill>
-                  <a:srgbClr val="121212"/>
-                </a:solidFill>
-                <a:ea typeface="+mn-lt"/>
-                <a:cs typeface="+mn-lt"/>
-              </a:rPr>
-              <a:t> </a:t>
-            </a:r>
-            <a:r>
-              <a:rPr lang="en-US" sz="2400" err="1">
-                <a:solidFill>
-                  <a:srgbClr val="121212"/>
-                </a:solidFill>
-                <a:ea typeface="+mn-lt"/>
-                <a:cs typeface="+mn-lt"/>
-              </a:rPr>
-              <a:t>või</a:t>
-            </a:r>
-            <a:r>
-              <a:rPr lang="en-US" sz="2400">
-                <a:solidFill>
-                  <a:srgbClr val="121212"/>
-                </a:solidFill>
-                <a:ea typeface="+mn-lt"/>
-                <a:cs typeface="+mn-lt"/>
-              </a:rPr>
-              <a:t> </a:t>
-            </a:r>
-            <a:r>
-              <a:rPr lang="en-US" sz="2400" err="1">
-                <a:solidFill>
-                  <a:srgbClr val="121212"/>
-                </a:solidFill>
-                <a:ea typeface="+mn-lt"/>
-                <a:cs typeface="+mn-lt"/>
-              </a:rPr>
-              <a:t>ametiühingusse</a:t>
-            </a:r>
-            <a:r>
-              <a:rPr lang="en-US" sz="2400">
-                <a:solidFill>
-                  <a:srgbClr val="121212"/>
-                </a:solidFill>
-                <a:ea typeface="+mn-lt"/>
-                <a:cs typeface="+mn-lt"/>
-              </a:rPr>
-              <a:t> </a:t>
-            </a:r>
-            <a:r>
-              <a:rPr lang="en-US" sz="2400" err="1">
-                <a:solidFill>
-                  <a:srgbClr val="121212"/>
-                </a:solidFill>
-                <a:ea typeface="+mn-lt"/>
-                <a:cs typeface="+mn-lt"/>
-              </a:rPr>
-              <a:t>kuulumine</a:t>
-            </a:r>
-            <a:endParaRPr lang="en-US" err="1">
-              <a:solidFill>
-                <a:srgbClr val="121212"/>
-              </a:solidFill>
-              <a:ea typeface="+mn-lt"/>
-              <a:cs typeface="+mn-lt"/>
-            </a:endParaRPr>
-          </a:p>
-          <a:p>
-            <a:pPr lvl="1">
-              <a:lnSpc>
-                <a:spcPct val="150000"/>
-              </a:lnSpc>
-              <a:buFont typeface="Courier New"/>
-              <a:buChar char="o"/>
-            </a:pPr>
-            <a:r>
-              <a:rPr lang="en-US" sz="2400" err="1">
-                <a:solidFill>
-                  <a:srgbClr val="121212"/>
-                </a:solidFill>
-                <a:ea typeface="+mn-lt"/>
-                <a:cs typeface="+mn-lt"/>
-              </a:rPr>
-              <a:t>geneetilised</a:t>
-            </a:r>
-            <a:r>
-              <a:rPr lang="en-US" sz="2400">
-                <a:solidFill>
-                  <a:srgbClr val="121212"/>
-                </a:solidFill>
-                <a:ea typeface="+mn-lt"/>
-                <a:cs typeface="+mn-lt"/>
-              </a:rPr>
-              <a:t> </a:t>
-            </a:r>
-            <a:r>
-              <a:rPr lang="en-US" sz="2400" err="1">
-                <a:solidFill>
-                  <a:srgbClr val="121212"/>
-                </a:solidFill>
-                <a:ea typeface="+mn-lt"/>
-                <a:cs typeface="+mn-lt"/>
-              </a:rPr>
-              <a:t>andmed</a:t>
-            </a:r>
-            <a:endParaRPr lang="en-US" sz="2400" err="1"/>
-          </a:p>
-          <a:p>
-            <a:pPr lvl="1">
-              <a:lnSpc>
-                <a:spcPct val="150000"/>
-              </a:lnSpc>
-              <a:buFont typeface="Courier New"/>
-              <a:buChar char="o"/>
-            </a:pPr>
-            <a:r>
-              <a:rPr lang="en-US" sz="2400" err="1">
-                <a:solidFill>
-                  <a:srgbClr val="121212"/>
-                </a:solidFill>
-                <a:ea typeface="+mn-lt"/>
-                <a:cs typeface="+mn-lt"/>
-              </a:rPr>
-              <a:t>füüsilise</a:t>
-            </a:r>
-            <a:r>
-              <a:rPr lang="en-US" sz="2400">
-                <a:solidFill>
-                  <a:srgbClr val="121212"/>
-                </a:solidFill>
-                <a:ea typeface="+mn-lt"/>
-                <a:cs typeface="+mn-lt"/>
-              </a:rPr>
-              <a:t> </a:t>
-            </a:r>
-            <a:r>
-              <a:rPr lang="en-US" sz="2400" err="1">
-                <a:solidFill>
-                  <a:srgbClr val="121212"/>
-                </a:solidFill>
-                <a:ea typeface="+mn-lt"/>
-                <a:cs typeface="+mn-lt"/>
-              </a:rPr>
-              <a:t>isiku</a:t>
-            </a:r>
-            <a:r>
-              <a:rPr lang="en-US" sz="2400">
-                <a:solidFill>
-                  <a:srgbClr val="121212"/>
-                </a:solidFill>
-                <a:ea typeface="+mn-lt"/>
-                <a:cs typeface="+mn-lt"/>
-              </a:rPr>
-              <a:t> </a:t>
-            </a:r>
-            <a:r>
-              <a:rPr lang="en-US" sz="2400" err="1">
-                <a:solidFill>
-                  <a:srgbClr val="121212"/>
-                </a:solidFill>
-                <a:ea typeface="+mn-lt"/>
-                <a:cs typeface="+mn-lt"/>
-              </a:rPr>
-              <a:t>kordumatuks</a:t>
-            </a:r>
-            <a:r>
-              <a:rPr lang="en-US" sz="2400">
-                <a:solidFill>
-                  <a:srgbClr val="121212"/>
-                </a:solidFill>
-                <a:ea typeface="+mn-lt"/>
-                <a:cs typeface="+mn-lt"/>
-              </a:rPr>
-              <a:t> </a:t>
-            </a:r>
-            <a:r>
-              <a:rPr lang="en-US" sz="2400" err="1">
-                <a:solidFill>
-                  <a:srgbClr val="121212"/>
-                </a:solidFill>
-                <a:ea typeface="+mn-lt"/>
-                <a:cs typeface="+mn-lt"/>
-              </a:rPr>
-              <a:t>tuvastamiseks</a:t>
-            </a:r>
-            <a:r>
-              <a:rPr lang="en-US" sz="2400">
-                <a:solidFill>
-                  <a:srgbClr val="121212"/>
-                </a:solidFill>
-                <a:ea typeface="+mn-lt"/>
-                <a:cs typeface="+mn-lt"/>
-              </a:rPr>
-              <a:t> </a:t>
-            </a:r>
-            <a:r>
-              <a:rPr lang="en-US" sz="2400" err="1">
-                <a:solidFill>
-                  <a:srgbClr val="121212"/>
-                </a:solidFill>
-                <a:ea typeface="+mn-lt"/>
-                <a:cs typeface="+mn-lt"/>
-              </a:rPr>
-              <a:t>kasutatavad</a:t>
-            </a:r>
-            <a:r>
-              <a:rPr lang="en-US" sz="2400">
-                <a:solidFill>
-                  <a:srgbClr val="121212"/>
-                </a:solidFill>
-                <a:ea typeface="+mn-lt"/>
-                <a:cs typeface="+mn-lt"/>
-              </a:rPr>
-              <a:t> </a:t>
-            </a:r>
-            <a:r>
-              <a:rPr lang="en-US" sz="2400" err="1">
-                <a:solidFill>
-                  <a:srgbClr val="121212"/>
-                </a:solidFill>
-                <a:ea typeface="+mn-lt"/>
-                <a:cs typeface="+mn-lt"/>
-              </a:rPr>
-              <a:t>biomeetrilised</a:t>
-            </a:r>
-            <a:r>
-              <a:rPr lang="en-US" sz="2400">
-                <a:solidFill>
-                  <a:srgbClr val="121212"/>
-                </a:solidFill>
-                <a:ea typeface="+mn-lt"/>
-                <a:cs typeface="+mn-lt"/>
-              </a:rPr>
-              <a:t> </a:t>
-            </a:r>
-            <a:r>
-              <a:rPr lang="en-US" sz="2400" err="1">
-                <a:solidFill>
-                  <a:srgbClr val="121212"/>
-                </a:solidFill>
-                <a:ea typeface="+mn-lt"/>
-                <a:cs typeface="+mn-lt"/>
-              </a:rPr>
-              <a:t>andmed</a:t>
-            </a:r>
-            <a:endParaRPr lang="en-US" sz="2400" err="1"/>
-          </a:p>
-          <a:p>
-            <a:pPr lvl="1">
-              <a:lnSpc>
-                <a:spcPct val="150000"/>
-              </a:lnSpc>
-              <a:buFont typeface="Courier New"/>
-              <a:buChar char="o"/>
-            </a:pPr>
-            <a:r>
-              <a:rPr lang="en-US" sz="2400" err="1">
-                <a:solidFill>
-                  <a:srgbClr val="121212"/>
-                </a:solidFill>
-                <a:ea typeface="+mn-lt"/>
-                <a:cs typeface="+mn-lt"/>
-              </a:rPr>
-              <a:t>terviseandmed</a:t>
-            </a:r>
-            <a:endParaRPr lang="en-US" sz="2400" err="1"/>
-          </a:p>
-          <a:p>
-            <a:pPr lvl="1">
-              <a:lnSpc>
-                <a:spcPct val="150000"/>
-              </a:lnSpc>
-              <a:buFont typeface="Courier New"/>
-              <a:buChar char="o"/>
-            </a:pPr>
-            <a:r>
-              <a:rPr lang="en-US" sz="2400" err="1">
-                <a:solidFill>
-                  <a:srgbClr val="121212"/>
-                </a:solidFill>
-                <a:ea typeface="+mn-lt"/>
-                <a:cs typeface="+mn-lt"/>
-              </a:rPr>
-              <a:t>andmed</a:t>
-            </a:r>
-            <a:r>
-              <a:rPr lang="en-US" sz="2400">
-                <a:solidFill>
-                  <a:srgbClr val="121212"/>
-                </a:solidFill>
-                <a:ea typeface="+mn-lt"/>
-                <a:cs typeface="+mn-lt"/>
-              </a:rPr>
-              <a:t> </a:t>
-            </a:r>
-            <a:r>
-              <a:rPr lang="en-US" sz="2400" err="1">
-                <a:solidFill>
-                  <a:srgbClr val="121212"/>
-                </a:solidFill>
-                <a:ea typeface="+mn-lt"/>
-                <a:cs typeface="+mn-lt"/>
-              </a:rPr>
-              <a:t>füüsilise</a:t>
-            </a:r>
-            <a:r>
-              <a:rPr lang="en-US" sz="2400">
-                <a:solidFill>
-                  <a:srgbClr val="121212"/>
-                </a:solidFill>
-                <a:ea typeface="+mn-lt"/>
-                <a:cs typeface="+mn-lt"/>
-              </a:rPr>
-              <a:t> </a:t>
-            </a:r>
-            <a:r>
-              <a:rPr lang="en-US" sz="2400" err="1">
-                <a:solidFill>
-                  <a:srgbClr val="121212"/>
-                </a:solidFill>
-                <a:ea typeface="+mn-lt"/>
-                <a:cs typeface="+mn-lt"/>
-              </a:rPr>
-              <a:t>isiku</a:t>
-            </a:r>
-            <a:r>
-              <a:rPr lang="en-US" sz="2400">
-                <a:solidFill>
-                  <a:srgbClr val="121212"/>
-                </a:solidFill>
-                <a:ea typeface="+mn-lt"/>
-                <a:cs typeface="+mn-lt"/>
-              </a:rPr>
-              <a:t> </a:t>
-            </a:r>
-            <a:r>
-              <a:rPr lang="en-US" sz="2400" err="1">
-                <a:solidFill>
-                  <a:srgbClr val="121212"/>
-                </a:solidFill>
-                <a:ea typeface="+mn-lt"/>
-                <a:cs typeface="+mn-lt"/>
-              </a:rPr>
-              <a:t>seksuaalelu</a:t>
-            </a:r>
-            <a:r>
-              <a:rPr lang="en-US" sz="2400">
-                <a:solidFill>
-                  <a:srgbClr val="121212"/>
-                </a:solidFill>
-                <a:ea typeface="+mn-lt"/>
-                <a:cs typeface="+mn-lt"/>
-              </a:rPr>
-              <a:t> ja </a:t>
-            </a:r>
-            <a:r>
-              <a:rPr lang="en-US" sz="2400" err="1">
-                <a:solidFill>
-                  <a:srgbClr val="121212"/>
-                </a:solidFill>
-                <a:ea typeface="+mn-lt"/>
-                <a:cs typeface="+mn-lt"/>
-              </a:rPr>
-              <a:t>seksuaalse</a:t>
-            </a:r>
-            <a:r>
-              <a:rPr lang="en-US" sz="2400">
-                <a:solidFill>
-                  <a:srgbClr val="121212"/>
-                </a:solidFill>
-                <a:ea typeface="+mn-lt"/>
-                <a:cs typeface="+mn-lt"/>
-              </a:rPr>
-              <a:t> </a:t>
-            </a:r>
-            <a:r>
-              <a:rPr lang="en-US" sz="2400" err="1">
-                <a:solidFill>
-                  <a:srgbClr val="121212"/>
-                </a:solidFill>
-                <a:ea typeface="+mn-lt"/>
-                <a:cs typeface="+mn-lt"/>
-              </a:rPr>
-              <a:t>sättumuse</a:t>
-            </a:r>
-            <a:r>
-              <a:rPr lang="en-US" sz="2400">
-                <a:solidFill>
-                  <a:srgbClr val="121212"/>
-                </a:solidFill>
-                <a:ea typeface="+mn-lt"/>
-                <a:cs typeface="+mn-lt"/>
-              </a:rPr>
-              <a:t> </a:t>
-            </a:r>
-            <a:r>
-              <a:rPr lang="en-US" sz="2400" err="1">
-                <a:solidFill>
-                  <a:srgbClr val="121212"/>
-                </a:solidFill>
-                <a:ea typeface="+mn-lt"/>
-                <a:cs typeface="+mn-lt"/>
-              </a:rPr>
-              <a:t>kohta</a:t>
-            </a:r>
-            <a:r>
-              <a:rPr lang="en-US" sz="2400">
-                <a:solidFill>
-                  <a:srgbClr val="121212"/>
-                </a:solidFill>
-                <a:ea typeface="+mn-lt"/>
-                <a:cs typeface="+mn-lt"/>
-              </a:rPr>
-              <a:t>.</a:t>
-            </a:r>
-            <a:endParaRPr lang="en-US"/>
-          </a:p>
-          <a:p>
-            <a:pPr>
-              <a:buFont typeface="Inter"/>
-            </a:pPr>
-            <a:endParaRPr lang="en-US" sz="2400">
-              <a:ea typeface="+mn-lt"/>
-              <a:cs typeface="+mn-lt"/>
-            </a:endParaRPr>
-          </a:p>
-          <a:p>
-            <a:pPr>
-              <a:buFont typeface="Inter"/>
-              <a:buChar char="‣"/>
-            </a:pPr>
-            <a:endParaRPr lang="en-US" sz="2400">
-              <a:ea typeface="+mn-lt"/>
-              <a:cs typeface="+mn-lt"/>
-            </a:endParaRPr>
-          </a:p>
-          <a:p>
-            <a:pPr marL="342900" indent="-342900">
-              <a:lnSpc>
-                <a:spcPct val="150000"/>
-              </a:lnSpc>
-              <a:buAutoNum type="arabicPeriod"/>
-            </a:pPr>
-            <a:endParaRPr lang="en-US" sz="2400">
-              <a:ea typeface="+mn-lt"/>
-              <a:cs typeface="+mn-lt"/>
-            </a:endParaRPr>
-          </a:p>
-        </p:txBody>
-      </p:sp>
-    </p:spTree>
-    <p:extLst>
-      <p:ext uri="{BB962C8B-B14F-4D97-AF65-F5344CB8AC3E}">
-        <p14:creationId xmlns:p14="http://schemas.microsoft.com/office/powerpoint/2010/main" val="2443866233"/>
-      </p:ext>
-    </p:extLst>
-  </p:cSld>
-  <p:clrMapOvr>
-    <a:masterClrMapping/>
-  </p:clrMapOvr>
-  <p:timing>
-    <p:tnLst>
-      <p:par>
-        <p:cTn id="1" dur="indefinite" restart="never" nodeType="tmRoot">
-          <p:childTnLst>
-            <p:seq concurrent="1" nextAc="seek">
-              <p:cTn id="2" dur="indefinite" nodeType="mainSeq">
-                <p:childTnLst>
-                  <p:par>
-                    <p:cTn id="3" fill="hold">
-                      <p:stCondLst>
-                        <p:cond delay="indefinite"/>
-                      </p:stCondLst>
-                      <p:childTnLst>
-                        <p:par>
-                          <p:cTn id="4" fill="hold">
-                            <p:stCondLst>
-                              <p:cond delay="0"/>
-                            </p:stCondLst>
-                            <p:childTnLst>
-                              <p:par>
-                                <p:cTn id="5" presetID="1" presetClass="entr" presetSubtype="0" fill="hold" grpId="0" nodeType="clickEffect">
-                                  <p:stCondLst>
-                                    <p:cond delay="0"/>
-                                  </p:stCondLst>
-                                  <p:childTnLst>
-                                    <p:set>
-                                      <p:cBhvr>
-                                        <p:cTn id="6" dur="1" fill="hold">
-                                          <p:stCondLst>
-                                            <p:cond delay="0"/>
-                                          </p:stCondLst>
-                                        </p:cTn>
-                                        <p:tgtEl>
-                                          <p:spTgt spid="4">
-                                            <p:txEl>
-                                              <p:pRg st="0" end="0"/>
-                                            </p:txEl>
-                                          </p:spTgt>
-                                        </p:tgtEl>
-                                        <p:attrNameLst>
-                                          <p:attrName>style.visibility</p:attrName>
-                                        </p:attrNameLst>
-                                      </p:cBhvr>
-                                      <p:to>
-                                        <p:strVal val="visible"/>
-                                      </p:to>
-                                    </p:set>
-                                  </p:childTnLst>
-                                </p:cTn>
-                              </p:par>
-                            </p:childTnLst>
-                          </p:cTn>
-                        </p:par>
-                      </p:childTnLst>
-                    </p:cTn>
-                  </p:par>
-                  <p:par>
-                    <p:cTn id="7" fill="hold">
-                      <p:stCondLst>
-                        <p:cond delay="indefinite"/>
-                      </p:stCondLst>
-                      <p:childTnLst>
-                        <p:par>
-                          <p:cTn id="8" fill="hold">
-                            <p:stCondLst>
-                              <p:cond delay="0"/>
-                            </p:stCondLst>
-                            <p:childTnLst>
-                              <p:par>
-                                <p:cTn id="9" presetID="1" presetClass="entr" presetSubtype="0" fill="hold" grpId="0" nodeType="clickEffect">
-                                  <p:stCondLst>
-                                    <p:cond delay="0"/>
-                                  </p:stCondLst>
-                                  <p:childTnLst>
-                                    <p:set>
-                                      <p:cBhvr>
-                                        <p:cTn id="10" dur="1" fill="hold">
-                                          <p:stCondLst>
-                                            <p:cond delay="0"/>
-                                          </p:stCondLst>
-                                        </p:cTn>
-                                        <p:tgtEl>
-                                          <p:spTgt spid="4">
-                                            <p:txEl>
-                                              <p:pRg st="1" end="1"/>
-                                            </p:txEl>
-                                          </p:spTgt>
-                                        </p:tgtEl>
-                                        <p:attrNameLst>
-                                          <p:attrName>style.visibility</p:attrName>
-                                        </p:attrNameLst>
-                                      </p:cBhvr>
-                                      <p:to>
-                                        <p:strVal val="visible"/>
-                                      </p:to>
-                                    </p:set>
-                                  </p:childTnLst>
-                                </p:cTn>
-                              </p:par>
-                            </p:childTnLst>
-                          </p:cTn>
-                        </p:par>
-                      </p:childTnLst>
-                    </p:cTn>
-                  </p:par>
-                  <p:par>
-                    <p:cTn id="11" fill="hold">
-                      <p:stCondLst>
-                        <p:cond delay="indefinite"/>
-                      </p:stCondLst>
-                      <p:childTnLst>
-                        <p:par>
-                          <p:cTn id="12" fill="hold">
-                            <p:stCondLst>
-                              <p:cond delay="0"/>
-                            </p:stCondLst>
-                            <p:childTnLst>
-                              <p:par>
-                                <p:cTn id="13" presetID="1" presetClass="entr" presetSubtype="0" fill="hold" grpId="0" nodeType="clickEffect">
-                                  <p:stCondLst>
-                                    <p:cond delay="0"/>
-                                  </p:stCondLst>
-                                  <p:childTnLst>
-                                    <p:set>
-                                      <p:cBhvr>
-                                        <p:cTn id="14" dur="1" fill="hold">
-                                          <p:stCondLst>
-                                            <p:cond delay="0"/>
-                                          </p:stCondLst>
-                                        </p:cTn>
-                                        <p:tgtEl>
-                                          <p:spTgt spid="4">
-                                            <p:txEl>
-                                              <p:pRg st="2" end="2"/>
-                                            </p:txEl>
-                                          </p:spTgt>
-                                        </p:tgtEl>
-                                        <p:attrNameLst>
-                                          <p:attrName>style.visibility</p:attrName>
-                                        </p:attrNameLst>
-                                      </p:cBhvr>
-                                      <p:to>
-                                        <p:strVal val="visible"/>
-                                      </p:to>
-                                    </p:set>
-                                  </p:childTnLst>
-                                </p:cTn>
-                              </p:par>
-                            </p:childTnLst>
-                          </p:cTn>
-                        </p:par>
-                      </p:childTnLst>
-                    </p:cTn>
-                  </p:par>
-                  <p:par>
-                    <p:cTn id="15" fill="hold">
-                      <p:stCondLst>
-                        <p:cond delay="indefinite"/>
-                      </p:stCondLst>
-                      <p:childTnLst>
-                        <p:par>
-                          <p:cTn id="16" fill="hold">
-                            <p:stCondLst>
-                              <p:cond delay="0"/>
-                            </p:stCondLst>
-                            <p:childTnLst>
-                              <p:par>
-                                <p:cTn id="17" presetID="1" presetClass="entr" presetSubtype="0" fill="hold" grpId="0" nodeType="clickEffect">
-                                  <p:stCondLst>
-                                    <p:cond delay="0"/>
-                                  </p:stCondLst>
-                                  <p:childTnLst>
-                                    <p:set>
-                                      <p:cBhvr>
-                                        <p:cTn id="18" dur="1" fill="hold">
-                                          <p:stCondLst>
-                                            <p:cond delay="0"/>
-                                          </p:stCondLst>
-                                        </p:cTn>
-                                        <p:tgtEl>
-                                          <p:spTgt spid="4">
-                                            <p:txEl>
-                                              <p:pRg st="3" end="3"/>
-                                            </p:txEl>
-                                          </p:spTgt>
-                                        </p:tgtEl>
-                                        <p:attrNameLst>
-                                          <p:attrName>style.visibility</p:attrName>
-                                        </p:attrNameLst>
-                                      </p:cBhvr>
-                                      <p:to>
-                                        <p:strVal val="visible"/>
-                                      </p:to>
-                                    </p:set>
-                                  </p:childTnLst>
-                                </p:cTn>
-                              </p:par>
-                            </p:childTnLst>
-                          </p:cTn>
-                        </p:par>
-                      </p:childTnLst>
-                    </p:cTn>
-                  </p:par>
-                  <p:par>
-                    <p:cTn id="19" fill="hold">
-                      <p:stCondLst>
-                        <p:cond delay="indefinite"/>
-                      </p:stCondLst>
-                      <p:childTnLst>
-                        <p:par>
-                          <p:cTn id="20" fill="hold">
-                            <p:stCondLst>
-                              <p:cond delay="0"/>
-                            </p:stCondLst>
-                            <p:childTnLst>
-                              <p:par>
-                                <p:cTn id="21" presetID="1" presetClass="entr" presetSubtype="0" fill="hold" grpId="0" nodeType="clickEffect">
-                                  <p:stCondLst>
-                                    <p:cond delay="0"/>
-                                  </p:stCondLst>
-                                  <p:childTnLst>
-                                    <p:set>
-                                      <p:cBhvr>
-                                        <p:cTn id="22" dur="1" fill="hold">
-                                          <p:stCondLst>
-                                            <p:cond delay="0"/>
-                                          </p:stCondLst>
-                                        </p:cTn>
-                                        <p:tgtEl>
-                                          <p:spTgt spid="4">
-                                            <p:txEl>
-                                              <p:pRg st="4" end="4"/>
-                                            </p:txEl>
-                                          </p:spTgt>
-                                        </p:tgtEl>
-                                        <p:attrNameLst>
-                                          <p:attrName>style.visibility</p:attrName>
-                                        </p:attrNameLst>
-                                      </p:cBhvr>
-                                      <p:to>
-                                        <p:strVal val="visible"/>
-                                      </p:to>
-                                    </p:set>
-                                  </p:childTnLst>
-                                </p:cTn>
-                              </p:par>
-                            </p:childTnLst>
-                          </p:cTn>
-                        </p:par>
-                      </p:childTnLst>
-                    </p:cTn>
-                  </p:par>
-                  <p:par>
-                    <p:cTn id="23" fill="hold">
-                      <p:stCondLst>
-                        <p:cond delay="indefinite"/>
-                      </p:stCondLst>
-                      <p:childTnLst>
-                        <p:par>
-                          <p:cTn id="24" fill="hold">
-                            <p:stCondLst>
-                              <p:cond delay="0"/>
-                            </p:stCondLst>
-                            <p:childTnLst>
-                              <p:par>
-                                <p:cTn id="25" presetID="1" presetClass="entr" presetSubtype="0" fill="hold" grpId="0" nodeType="clickEffect">
-                                  <p:stCondLst>
-                                    <p:cond delay="0"/>
-                                  </p:stCondLst>
-                                  <p:childTnLst>
-                                    <p:set>
-                                      <p:cBhvr>
-                                        <p:cTn id="26" dur="1" fill="hold">
-                                          <p:stCondLst>
-                                            <p:cond delay="0"/>
-                                          </p:stCondLst>
-                                        </p:cTn>
-                                        <p:tgtEl>
-                                          <p:spTgt spid="4">
-                                            <p:txEl>
-                                              <p:pRg st="5" end="5"/>
                                             </p:txEl>
                                           </p:spTgt>
                                         </p:tgtEl>
@@ -47367,12 +47564,6 @@
 </file>
 
 <file path=customXml/item1.xml><?xml version="1.0" encoding="utf-8"?>
-<p:properties xmlns:p="http://schemas.microsoft.com/office/2006/metadata/properties" xmlns:xsi="http://www.w3.org/2001/XMLSchema-instance" xmlns:pc="http://schemas.microsoft.com/office/infopath/2007/PartnerControls">
-  <documentManagement/>
-</p:properties>
-</file>
-
-<file path=customXml/item2.xml><?xml version="1.0" encoding="utf-8"?>
 <ct:contentTypeSchema xmlns:ct="http://schemas.microsoft.com/office/2006/metadata/contentType" xmlns:ma="http://schemas.microsoft.com/office/2006/metadata/properties/metaAttributes" ct:_="" ma:_="" ma:contentTypeName="Document" ma:contentTypeID="0x010100C4D27B8FA8976546BCD79313C588588D" ma:contentTypeVersion="8" ma:contentTypeDescription="Create a new document." ma:contentTypeScope="" ma:versionID="a112c56f6fe148a79025c76584832af0">
   <xsd:schema xmlns:xsd="http://www.w3.org/2001/XMLSchema" xmlns:xs="http://www.w3.org/2001/XMLSchema" xmlns:p="http://schemas.microsoft.com/office/2006/metadata/properties" xmlns:ns2="a1a2d923-8fea-42f1-bd41-9cdfff65694e" targetNamespace="http://schemas.microsoft.com/office/2006/metadata/properties" ma:root="true" ma:fieldsID="97c8655d467eaa9470a714421e7268c0" ns2:_="">
     <xsd:import namespace="a1a2d923-8fea-42f1-bd41-9cdfff65694e"/>
@@ -47540,6 +47731,12 @@
 </ct:contentTypeSchema>
 </file>
 
+<file path=customXml/item2.xml><?xml version="1.0" encoding="utf-8"?>
+<p:properties xmlns:p="http://schemas.microsoft.com/office/2006/metadata/properties" xmlns:xsi="http://www.w3.org/2001/XMLSchema-instance" xmlns:pc="http://schemas.microsoft.com/office/infopath/2007/PartnerControls">
+  <documentManagement/>
+</p:properties>
+</file>
+
 <file path=customXml/item3.xml><?xml version="1.0" encoding="utf-8"?>
 <?mso-contentType ?>
 <FormTemplates xmlns="http://schemas.microsoft.com/sharepoint/v3/contenttype/forms">
@@ -47550,15 +47747,6 @@
 </file>
 
 <file path=customXml/itemProps1.xml><?xml version="1.0" encoding="utf-8"?>
-<ds:datastoreItem xmlns:ds="http://schemas.openxmlformats.org/officeDocument/2006/customXml" ds:itemID="{5BDF4908-A52A-47DD-A794-6E02D71942FC}">
-  <ds:schemaRefs>
-    <ds:schemaRef ds:uri="http://schemas.microsoft.com/office/2006/metadata/properties"/>
-    <ds:schemaRef ds:uri="http://schemas.microsoft.com/office/infopath/2007/PartnerControls"/>
-  </ds:schemaRefs>
-</ds:datastoreItem>
-</file>
-
-<file path=customXml/itemProps2.xml><?xml version="1.0" encoding="utf-8"?>
 <ds:datastoreItem xmlns:ds="http://schemas.openxmlformats.org/officeDocument/2006/customXml" ds:itemID="{9CF4F972-2392-44D0-AA45-41AC4FDC4A59}">
   <ds:schemaRefs>
     <ds:schemaRef ds:uri="a1a2d923-8fea-42f1-bd41-9cdfff65694e"/>
@@ -47576,6 +47764,15 @@
 </ds:datastoreItem>
 </file>
 
+<file path=customXml/itemProps2.xml><?xml version="1.0" encoding="utf-8"?>
+<ds:datastoreItem xmlns:ds="http://schemas.openxmlformats.org/officeDocument/2006/customXml" ds:itemID="{5BDF4908-A52A-47DD-A794-6E02D71942FC}">
+  <ds:schemaRefs>
+    <ds:schemaRef ds:uri="http://schemas.microsoft.com/office/2006/metadata/properties"/>
+    <ds:schemaRef ds:uri="http://schemas.microsoft.com/office/infopath/2007/PartnerControls"/>
+  </ds:schemaRefs>
+</ds:datastoreItem>
+</file>
+
 <file path=customXml/itemProps3.xml><?xml version="1.0" encoding="utf-8"?>
 <ds:datastoreItem xmlns:ds="http://schemas.openxmlformats.org/officeDocument/2006/customXml" ds:itemID="{9DC439CA-6F1C-4005-ACA6-A52E04DEE0A7}">
   <ds:schemaRefs>

--- a/Day14/14-paev-andmetarkus-esitlus.pptx
+++ b/Day14/14-paev-andmetarkus-esitlus.pptx
@@ -5,10 +5,10 @@
     <p:sldMasterId id="2147483648" r:id="rId4"/>
   </p:sldMasterIdLst>
   <p:notesMasterIdLst>
-    <p:notesMasterId r:id="rId31"/>
+    <p:notesMasterId r:id="rId32"/>
   </p:notesMasterIdLst>
   <p:handoutMasterIdLst>
-    <p:handoutMasterId r:id="rId32"/>
+    <p:handoutMasterId r:id="rId33"/>
   </p:handoutMasterIdLst>
   <p:sldIdLst>
     <p:sldId id="417" r:id="rId5"/>
@@ -33,34 +33,35 @@
     <p:sldId id="577" r:id="rId24"/>
     <p:sldId id="644" r:id="rId25"/>
     <p:sldId id="568" r:id="rId26"/>
-    <p:sldId id="570" r:id="rId27"/>
-    <p:sldId id="574" r:id="rId28"/>
-    <p:sldId id="573" r:id="rId29"/>
-    <p:sldId id="645" r:id="rId30"/>
+    <p:sldId id="647" r:id="rId27"/>
+    <p:sldId id="570" r:id="rId28"/>
+    <p:sldId id="574" r:id="rId29"/>
+    <p:sldId id="573" r:id="rId30"/>
+    <p:sldId id="645" r:id="rId31"/>
   </p:sldIdLst>
   <p:sldSz cx="12192000" cy="6858000"/>
   <p:notesSz cx="6858000" cy="9144000"/>
   <p:embeddedFontLst>
     <p:embeddedFont>
       <p:font typeface="Inter" panose="020B0604020202020204" charset="0"/>
-      <p:regular r:id="rId33"/>
-      <p:bold r:id="rId34"/>
+      <p:regular r:id="rId34"/>
+      <p:bold r:id="rId35"/>
     </p:embeddedFont>
     <p:embeddedFont>
       <p:font typeface="Inter Bold" panose="020B0604020202020204" charset="0"/>
-      <p:bold r:id="rId35"/>
+      <p:bold r:id="rId36"/>
     </p:embeddedFont>
     <p:embeddedFont>
       <p:font typeface="Noto Serif" panose="02020600060500020200" pitchFamily="18" charset="0"/>
-      <p:regular r:id="rId36"/>
-      <p:bold r:id="rId37"/>
-      <p:italic r:id="rId38"/>
-      <p:boldItalic r:id="rId39"/>
+      <p:regular r:id="rId37"/>
+      <p:bold r:id="rId38"/>
+      <p:italic r:id="rId39"/>
+      <p:boldItalic r:id="rId40"/>
     </p:embeddedFont>
     <p:embeddedFont>
       <p:font typeface="Poppins SemiBold" panose="00000700000000000000" pitchFamily="2" charset="0"/>
-      <p:bold r:id="rId40"/>
-      <p:boldItalic r:id="rId41"/>
+      <p:bold r:id="rId41"/>
+      <p:boldItalic r:id="rId42"/>
     </p:embeddedFont>
   </p:embeddedFontLst>
   <p:defaultTextStyle>
@@ -182,11 +183,47 @@
 <pc:chgInfo xmlns:a="http://schemas.openxmlformats.org/drawingml/2006/main" xmlns:r="http://schemas.openxmlformats.org/officeDocument/2006/relationships" xmlns:ac="http://schemas.microsoft.com/office/drawing/2013/main/command" xmlns:pc="http://schemas.microsoft.com/office/powerpoint/2013/main/command">
   <pc:docChgLst>
     <pc:chgData name="Virve Räni" userId="161a7437-7ef4-49ec-91bf-54882f313dfe" providerId="ADAL" clId="{6D754EED-65AA-4A21-B175-6769012CF487}"/>
-    <pc:docChg chg="addSld modSld">
-      <pc:chgData name="Virve Räni" userId="161a7437-7ef4-49ec-91bf-54882f313dfe" providerId="ADAL" clId="{6D754EED-65AA-4A21-B175-6769012CF487}" dt="2025-09-11T05:42:31.636" v="38" actId="20577"/>
+    <pc:docChg chg="addSld modSld sldOrd">
+      <pc:chgData name="Virve Räni" userId="161a7437-7ef4-49ec-91bf-54882f313dfe" providerId="ADAL" clId="{6D754EED-65AA-4A21-B175-6769012CF487}" dt="2025-09-11T09:48:32.963" v="142" actId="5793"/>
       <pc:docMkLst>
         <pc:docMk/>
       </pc:docMkLst>
+      <pc:sldChg chg="ord">
+        <pc:chgData name="Virve Räni" userId="161a7437-7ef4-49ec-91bf-54882f313dfe" providerId="ADAL" clId="{6D754EED-65AA-4A21-B175-6769012CF487}" dt="2025-09-11T07:18:56.219" v="96"/>
+        <pc:sldMkLst>
+          <pc:docMk/>
+          <pc:sldMk cId="4104031404" sldId="569"/>
+        </pc:sldMkLst>
+      </pc:sldChg>
+      <pc:sldChg chg="ord">
+        <pc:chgData name="Virve Räni" userId="161a7437-7ef4-49ec-91bf-54882f313dfe" providerId="ADAL" clId="{6D754EED-65AA-4A21-B175-6769012CF487}" dt="2025-09-11T07:18:57.706" v="98"/>
+        <pc:sldMkLst>
+          <pc:docMk/>
+          <pc:sldMk cId="2968960742" sldId="577"/>
+        </pc:sldMkLst>
+      </pc:sldChg>
+      <pc:sldChg chg="ord">
+        <pc:chgData name="Virve Räni" userId="161a7437-7ef4-49ec-91bf-54882f313dfe" providerId="ADAL" clId="{6D754EED-65AA-4A21-B175-6769012CF487}" dt="2025-09-11T07:18:18.692" v="92"/>
+        <pc:sldMkLst>
+          <pc:docMk/>
+          <pc:sldMk cId="2066132299" sldId="644"/>
+        </pc:sldMkLst>
+      </pc:sldChg>
+      <pc:sldChg chg="modSp mod">
+        <pc:chgData name="Virve Räni" userId="161a7437-7ef4-49ec-91bf-54882f313dfe" providerId="ADAL" clId="{6D754EED-65AA-4A21-B175-6769012CF487}" dt="2025-09-11T05:54:08.096" v="90" actId="20577"/>
+        <pc:sldMkLst>
+          <pc:docMk/>
+          <pc:sldMk cId="1674079011" sldId="645"/>
+        </pc:sldMkLst>
+        <pc:spChg chg="mod">
+          <ac:chgData name="Virve Räni" userId="161a7437-7ef4-49ec-91bf-54882f313dfe" providerId="ADAL" clId="{6D754EED-65AA-4A21-B175-6769012CF487}" dt="2025-09-11T05:54:08.096" v="90" actId="20577"/>
+          <ac:spMkLst>
+            <pc:docMk/>
+            <pc:sldMk cId="1674079011" sldId="645"/>
+            <ac:spMk id="3" creationId="{16CF7352-F93B-EE31-220C-F9E2EC9BDA2D}"/>
+          </ac:spMkLst>
+        </pc:spChg>
+      </pc:sldChg>
       <pc:sldChg chg="modSp new mod">
         <pc:chgData name="Virve Räni" userId="161a7437-7ef4-49ec-91bf-54882f313dfe" providerId="ADAL" clId="{6D754EED-65AA-4A21-B175-6769012CF487}" dt="2025-09-11T05:42:31.636" v="38" actId="20577"/>
         <pc:sldMkLst>
@@ -207,6 +244,21 @@
             <pc:docMk/>
             <pc:sldMk cId="4151671185" sldId="646"/>
             <ac:spMk id="3" creationId="{5708205D-3E9E-F4F8-FD74-89B0632FAA62}"/>
+          </ac:spMkLst>
+        </pc:spChg>
+      </pc:sldChg>
+      <pc:sldChg chg="modSp new mod">
+        <pc:chgData name="Virve Räni" userId="161a7437-7ef4-49ec-91bf-54882f313dfe" providerId="ADAL" clId="{6D754EED-65AA-4A21-B175-6769012CF487}" dt="2025-09-11T09:48:32.963" v="142" actId="5793"/>
+        <pc:sldMkLst>
+          <pc:docMk/>
+          <pc:sldMk cId="1871966603" sldId="647"/>
+        </pc:sldMkLst>
+        <pc:spChg chg="mod">
+          <ac:chgData name="Virve Räni" userId="161a7437-7ef4-49ec-91bf-54882f313dfe" providerId="ADAL" clId="{6D754EED-65AA-4A21-B175-6769012CF487}" dt="2025-09-11T09:48:32.963" v="142" actId="5793"/>
+          <ac:spMkLst>
+            <pc:docMk/>
+            <pc:sldMk cId="1871966603" sldId="647"/>
+            <ac:spMk id="3" creationId="{0F58F04F-79CF-D596-2442-C7AA52CDBB45}"/>
           </ac:spMkLst>
         </pc:spChg>
       </pc:sldChg>
@@ -39404,6 +39456,109 @@
   <p:cSld>
     <p:spTree>
       <p:nvGrpSpPr>
+        <p:cNvPr id="1" name=""/>
+        <p:cNvGrpSpPr/>
+        <p:nvPr/>
+      </p:nvGrpSpPr>
+      <p:grpSpPr>
+        <a:xfrm>
+          <a:off x="0" y="0"/>
+          <a:ext cx="0" cy="0"/>
+          <a:chOff x="0" y="0"/>
+          <a:chExt cx="0" cy="0"/>
+        </a:xfrm>
+      </p:grpSpPr>
+      <p:sp>
+        <p:nvSpPr>
+          <p:cNvPr id="2" name="Title 1">
+            <a:extLst>
+              <a:ext uri="{FF2B5EF4-FFF2-40B4-BE49-F238E27FC236}">
+                <a16:creationId xmlns:a16="http://schemas.microsoft.com/office/drawing/2014/main" id="{65947BC0-79F6-AB62-E18D-E728B50E0929}"/>
+              </a:ext>
+            </a:extLst>
+          </p:cNvPr>
+          <p:cNvSpPr>
+            <a:spLocks noGrp="1"/>
+          </p:cNvSpPr>
+          <p:nvPr>
+            <p:ph type="ctrTitle"/>
+          </p:nvPr>
+        </p:nvSpPr>
+        <p:spPr/>
+        <p:txBody>
+          <a:bodyPr/>
+          <a:lstStyle/>
+          <a:p>
+            <a:endParaRPr lang="et-EE"/>
+          </a:p>
+        </p:txBody>
+      </p:sp>
+      <p:sp>
+        <p:nvSpPr>
+          <p:cNvPr id="3" name="Content Placeholder 2">
+            <a:extLst>
+              <a:ext uri="{FF2B5EF4-FFF2-40B4-BE49-F238E27FC236}">
+                <a16:creationId xmlns:a16="http://schemas.microsoft.com/office/drawing/2014/main" id="{0F58F04F-79CF-D596-2442-C7AA52CDBB45}"/>
+              </a:ext>
+            </a:extLst>
+          </p:cNvPr>
+          <p:cNvSpPr>
+            <a:spLocks noGrp="1"/>
+          </p:cNvSpPr>
+          <p:nvPr>
+            <p:ph sz="quarter" idx="10"/>
+          </p:nvPr>
+        </p:nvSpPr>
+        <p:spPr/>
+        <p:txBody>
+          <a:bodyPr/>
+          <a:lstStyle/>
+          <a:p>
+            <a:pPr marL="0" indent="0">
+              <a:buNone/>
+            </a:pPr>
+            <a:r>
+              <a:rPr lang="en-US" sz="3200" dirty="0"/>
+              <a:t>Kaja </a:t>
+            </a:r>
+            <a:r>
+              <a:rPr lang="en-US" sz="3200" dirty="0" err="1"/>
+              <a:t>Hanschmidt-Raidma</a:t>
+            </a:r>
+            <a:r>
+              <a:rPr lang="en-US" sz="3200" dirty="0"/>
+              <a:t>, </a:t>
+            </a:r>
+            <a:r>
+              <a:rPr lang="en-US" sz="3200" dirty="0" err="1"/>
+              <a:t>Proekspert</a:t>
+            </a:r>
+            <a:r>
+              <a:rPr lang="en-US" sz="3200" dirty="0"/>
+              <a:t> AS</a:t>
+            </a:r>
+            <a:endParaRPr lang="et-EE" sz="3200" dirty="0"/>
+          </a:p>
+        </p:txBody>
+      </p:sp>
+    </p:spTree>
+    <p:extLst>
+      <p:ext uri="{BB962C8B-B14F-4D97-AF65-F5344CB8AC3E}">
+        <p14:creationId xmlns:p14="http://schemas.microsoft.com/office/powerpoint/2010/main" val="1871966603"/>
+      </p:ext>
+    </p:extLst>
+  </p:cSld>
+  <p:clrMapOvr>
+    <a:masterClrMapping/>
+  </p:clrMapOvr>
+</p:sld>
+</file>
+
+<file path=ppt/slides/slide24.xml><?xml version="1.0" encoding="utf-8"?>
+<p:sld xmlns:a="http://schemas.openxmlformats.org/drawingml/2006/main" xmlns:r="http://schemas.openxmlformats.org/officeDocument/2006/relationships" xmlns:p="http://schemas.openxmlformats.org/presentationml/2006/main">
+  <p:cSld>
+    <p:spTree>
+      <p:nvGrpSpPr>
         <p:cNvPr id="1" name="">
           <a:extLst>
             <a:ext uri="{FF2B5EF4-FFF2-40B4-BE49-F238E27FC236}">
@@ -39512,7 +39667,7 @@
 </p:sld>
 </file>
 
-<file path=ppt/slides/slide24.xml><?xml version="1.0" encoding="utf-8"?>
+<file path=ppt/slides/slide25.xml><?xml version="1.0" encoding="utf-8"?>
 <p:sld xmlns:a="http://schemas.openxmlformats.org/drawingml/2006/main" xmlns:r="http://schemas.openxmlformats.org/officeDocument/2006/relationships" xmlns:p="http://schemas.openxmlformats.org/presentationml/2006/main">
   <p:cSld>
     <p:spTree>
@@ -40172,7 +40327,7 @@
 </p:sld>
 </file>
 
-<file path=ppt/slides/slide25.xml><?xml version="1.0" encoding="utf-8"?>
+<file path=ppt/slides/slide26.xml><?xml version="1.0" encoding="utf-8"?>
 <p:sld xmlns:a="http://schemas.openxmlformats.org/drawingml/2006/main" xmlns:r="http://schemas.openxmlformats.org/officeDocument/2006/relationships" xmlns:p="http://schemas.openxmlformats.org/presentationml/2006/main">
   <p:cSld>
     <p:spTree>
@@ -40561,7 +40716,7 @@
 </p:sld>
 </file>
 
-<file path=ppt/slides/slide26.xml><?xml version="1.0" encoding="utf-8"?>
+<file path=ppt/slides/slide27.xml><?xml version="1.0" encoding="utf-8"?>
 <p:sld xmlns:a="http://schemas.openxmlformats.org/drawingml/2006/main" xmlns:r="http://schemas.openxmlformats.org/officeDocument/2006/relationships" xmlns:p="http://schemas.openxmlformats.org/presentationml/2006/main">
   <p:cSld>
     <p:spTree>
@@ -40737,7 +40892,69 @@
               </a:rPr>
               <a:t>Githubis</a:t>
             </a:r>
-            <a:endParaRPr lang="en-US" dirty="0" err="1">
+            <a:endParaRPr lang="en-US" sz="2400" dirty="0">
+              <a:ea typeface="Inter"/>
+              <a:cs typeface="Noto Serif"/>
+            </a:endParaRPr>
+          </a:p>
+          <a:p>
+            <a:pPr marL="342900" indent="-342900">
+              <a:lnSpc>
+                <a:spcPct val="150000"/>
+              </a:lnSpc>
+              <a:buFont typeface="Arial,Sans-Serif" panose="020B0502030000000004" pitchFamily="34" charset="0"/>
+              <a:buChar char="•"/>
+            </a:pPr>
+            <a:r>
+              <a:rPr lang="en-US" sz="2400" dirty="0" err="1">
+                <a:ea typeface="Inter"/>
+                <a:cs typeface="Noto Serif"/>
+              </a:rPr>
+              <a:t>Lisage</a:t>
+            </a:r>
+            <a:r>
+              <a:rPr lang="en-US" sz="2400" dirty="0">
+                <a:ea typeface="Inter"/>
+                <a:cs typeface="Noto Serif"/>
+              </a:rPr>
+              <a:t> </a:t>
+            </a:r>
+            <a:r>
+              <a:rPr lang="en-US" sz="2400" dirty="0" err="1">
+                <a:ea typeface="Inter"/>
+                <a:cs typeface="Noto Serif"/>
+              </a:rPr>
+              <a:t>teised</a:t>
+            </a:r>
+            <a:r>
+              <a:rPr lang="en-US" sz="2400" dirty="0">
+                <a:ea typeface="Inter"/>
+                <a:cs typeface="Noto Serif"/>
+              </a:rPr>
+              <a:t> </a:t>
+            </a:r>
+            <a:r>
+              <a:rPr lang="en-US" sz="2400" dirty="0" err="1">
+                <a:ea typeface="Inter"/>
+                <a:cs typeface="Noto Serif"/>
+              </a:rPr>
+              <a:t>grupiliikmed</a:t>
+            </a:r>
+            <a:r>
+              <a:rPr lang="en-US" sz="2400" dirty="0">
+                <a:ea typeface="Inter"/>
+                <a:cs typeface="Noto Serif"/>
+              </a:rPr>
+              <a:t> Collaborators </a:t>
+            </a:r>
+            <a:r>
+              <a:rPr lang="en-US" sz="2400" dirty="0" err="1">
+                <a:ea typeface="Inter"/>
+                <a:cs typeface="Noto Serif"/>
+              </a:rPr>
+              <a:t>alla</a:t>
+            </a:r>
+            <a:endParaRPr lang="en-US" dirty="0">
               <a:cs typeface="Noto Serif"/>
             </a:endParaRPr>
           </a:p>
@@ -41128,7 +41345,7 @@
               <a:buFont typeface="Arial,Sans-Serif" panose="020B0502030000000004" pitchFamily="34" charset="0"/>
               <a:buChar char="•"/>
             </a:pPr>
-            <a:endParaRPr lang="en-US" sz="2400">
+            <a:endParaRPr lang="en-US" sz="2400" dirty="0">
               <a:cs typeface="Noto Serif"/>
             </a:endParaRPr>
           </a:p>
@@ -41143,7 +41360,7 @@
               <a:buFont typeface="Arial,Sans-Serif" panose="020B0502030000000004" pitchFamily="34" charset="0"/>
               <a:buChar char="•"/>
             </a:pPr>
-            <a:endParaRPr lang="en-US" sz="2400">
+            <a:endParaRPr lang="en-US" sz="2400" dirty="0">
               <a:cs typeface="Arial"/>
             </a:endParaRPr>
           </a:p>
@@ -41155,7 +41372,7 @@
               <a:buFont typeface="Arial,Sans-Serif" panose="020B0502030000000004" pitchFamily="34" charset="0"/>
               <a:buChar char="o"/>
             </a:pPr>
-            <a:endParaRPr lang="en-US" sz="2400">
+            <a:endParaRPr lang="en-US" sz="2400" dirty="0">
               <a:cs typeface="Arial"/>
             </a:endParaRPr>
           </a:p>
@@ -41167,7 +41384,7 @@
               <a:buFont typeface="Arial,Sans-Serif" panose="020B0502030000000004" pitchFamily="34" charset="0"/>
               <a:buChar char="•"/>
             </a:pPr>
-            <a:endParaRPr lang="en-US" sz="2400">
+            <a:endParaRPr lang="en-US" sz="2400" dirty="0">
               <a:cs typeface="Arial"/>
             </a:endParaRPr>
           </a:p>
@@ -41177,7 +41394,7 @@
                 <a:spcPct val="150000"/>
               </a:lnSpc>
             </a:pPr>
-            <a:endParaRPr lang="en-US" sz="2800">
+            <a:endParaRPr lang="en-US" sz="2800" dirty="0">
               <a:cs typeface="Arial"/>
             </a:endParaRPr>
           </a:p>
@@ -41188,7 +41405,7 @@
               </a:lnSpc>
               <a:buNone/>
             </a:pPr>
-            <a:endParaRPr lang="en-US" sz="2800"/>
+            <a:endParaRPr lang="en-US" sz="2800" dirty="0"/>
           </a:p>
         </p:txBody>
       </p:sp>
@@ -47564,6 +47781,12 @@
 </file>
 
 <file path=customXml/item1.xml><?xml version="1.0" encoding="utf-8"?>
+<p:properties xmlns:p="http://schemas.microsoft.com/office/2006/metadata/properties" xmlns:xsi="http://www.w3.org/2001/XMLSchema-instance" xmlns:pc="http://schemas.microsoft.com/office/infopath/2007/PartnerControls">
+  <documentManagement/>
+</p:properties>
+</file>
+
+<file path=customXml/item2.xml><?xml version="1.0" encoding="utf-8"?>
 <ct:contentTypeSchema xmlns:ct="http://schemas.microsoft.com/office/2006/metadata/contentType" xmlns:ma="http://schemas.microsoft.com/office/2006/metadata/properties/metaAttributes" ct:_="" ma:_="" ma:contentTypeName="Document" ma:contentTypeID="0x010100C4D27B8FA8976546BCD79313C588588D" ma:contentTypeVersion="8" ma:contentTypeDescription="Create a new document." ma:contentTypeScope="" ma:versionID="a112c56f6fe148a79025c76584832af0">
   <xsd:schema xmlns:xsd="http://www.w3.org/2001/XMLSchema" xmlns:xs="http://www.w3.org/2001/XMLSchema" xmlns:p="http://schemas.microsoft.com/office/2006/metadata/properties" xmlns:ns2="a1a2d923-8fea-42f1-bd41-9cdfff65694e" targetNamespace="http://schemas.microsoft.com/office/2006/metadata/properties" ma:root="true" ma:fieldsID="97c8655d467eaa9470a714421e7268c0" ns2:_="">
     <xsd:import namespace="a1a2d923-8fea-42f1-bd41-9cdfff65694e"/>
@@ -47731,12 +47954,6 @@
 </ct:contentTypeSchema>
 </file>
 
-<file path=customXml/item2.xml><?xml version="1.0" encoding="utf-8"?>
-<p:properties xmlns:p="http://schemas.microsoft.com/office/2006/metadata/properties" xmlns:xsi="http://www.w3.org/2001/XMLSchema-instance" xmlns:pc="http://schemas.microsoft.com/office/infopath/2007/PartnerControls">
-  <documentManagement/>
-</p:properties>
-</file>
-
 <file path=customXml/item3.xml><?xml version="1.0" encoding="utf-8"?>
 <?mso-contentType ?>
 <FormTemplates xmlns="http://schemas.microsoft.com/sharepoint/v3/contenttype/forms">
@@ -47747,6 +47964,15 @@
 </file>
 
 <file path=customXml/itemProps1.xml><?xml version="1.0" encoding="utf-8"?>
+<ds:datastoreItem xmlns:ds="http://schemas.openxmlformats.org/officeDocument/2006/customXml" ds:itemID="{5BDF4908-A52A-47DD-A794-6E02D71942FC}">
+  <ds:schemaRefs>
+    <ds:schemaRef ds:uri="http://schemas.microsoft.com/office/2006/metadata/properties"/>
+    <ds:schemaRef ds:uri="http://schemas.microsoft.com/office/infopath/2007/PartnerControls"/>
+  </ds:schemaRefs>
+</ds:datastoreItem>
+</file>
+
+<file path=customXml/itemProps2.xml><?xml version="1.0" encoding="utf-8"?>
 <ds:datastoreItem xmlns:ds="http://schemas.openxmlformats.org/officeDocument/2006/customXml" ds:itemID="{9CF4F972-2392-44D0-AA45-41AC4FDC4A59}">
   <ds:schemaRefs>
     <ds:schemaRef ds:uri="a1a2d923-8fea-42f1-bd41-9cdfff65694e"/>
@@ -47764,15 +47990,6 @@
 </ds:datastoreItem>
 </file>
 
-<file path=customXml/itemProps2.xml><?xml version="1.0" encoding="utf-8"?>
-<ds:datastoreItem xmlns:ds="http://schemas.openxmlformats.org/officeDocument/2006/customXml" ds:itemID="{5BDF4908-A52A-47DD-A794-6E02D71942FC}">
-  <ds:schemaRefs>
-    <ds:schemaRef ds:uri="http://schemas.microsoft.com/office/2006/metadata/properties"/>
-    <ds:schemaRef ds:uri="http://schemas.microsoft.com/office/infopath/2007/PartnerControls"/>
-  </ds:schemaRefs>
-</ds:datastoreItem>
-</file>
-
 <file path=customXml/itemProps3.xml><?xml version="1.0" encoding="utf-8"?>
 <ds:datastoreItem xmlns:ds="http://schemas.openxmlformats.org/officeDocument/2006/customXml" ds:itemID="{9DC439CA-6F1C-4005-ACA6-A52E04DEE0A7}">
   <ds:schemaRefs>
